--- a/DATA604_Final/DATA604_Final_Presentation.pptx
+++ b/DATA604_Final/DATA604_Final_Presentation.pptx
@@ -18,8 +18,8 @@
     <p:sldId id="271" r:id="rId6"/>
     <p:sldId id="266" r:id="rId7"/>
     <p:sldId id="268" r:id="rId8"/>
-    <p:sldId id="265" r:id="rId9"/>
-    <p:sldId id="273" r:id="rId10"/>
+    <p:sldId id="273" r:id="rId9"/>
+    <p:sldId id="265" r:id="rId10"/>
     <p:sldId id="264" r:id="rId11"/>
     <p:sldId id="269" r:id="rId12"/>
   </p:sldIdLst>
@@ -205,7 +205,8 @@
           <a:p>
             <a:fld id="{DDD0F2DC-0AE3-4858-9BCE-D5C1BE5B4052}" type="datetimeFigureOut">
               <a:rPr lang="en-US" smtClean="0"/>
-              <a:t>12/20/2016</a:t>
+              <a:pPr/>
+              <a:t>12/21/2016</a:t>
             </a:fld>
             <a:endParaRPr lang="en-US"/>
           </a:p>
@@ -271,6 +272,7 @@
           <a:p>
             <a:fld id="{C09CAF31-84EA-4242-B026-EC92B5E36B3E}" type="slidenum">
               <a:rPr lang="en-US" smtClean="0"/>
+              <a:pPr/>
               <a:t>‹#›</a:t>
             </a:fld>
             <a:endParaRPr lang="en-US"/>
@@ -366,7 +368,7 @@
             <a:fld id="{B2546F39-20FB-40AC-ACB7-1A5BC824CD74}" type="datetimeFigureOut">
               <a:rPr lang="en-US" smtClean="0"/>
               <a:pPr/>
-              <a:t>12/20/2016</a:t>
+              <a:t>12/21/2016</a:t>
             </a:fld>
             <a:endParaRPr lang="en-US"/>
           </a:p>
@@ -896,7 +898,7 @@
             <a:fld id="{3877EA91-E04C-4D1C-A39E-FBD0799BEDD7}" type="datetimeFigureOut">
               <a:rPr lang="en-US" smtClean="0"/>
               <a:pPr/>
-              <a:t>12/20/2016</a:t>
+              <a:t>12/21/2016</a:t>
             </a:fld>
             <a:endParaRPr lang="en-US"/>
           </a:p>
@@ -948,7 +950,7 @@
     </p:spTree>
     <p:extLst>
       <p:ext uri="{BB962C8B-B14F-4D97-AF65-F5344CB8AC3E}">
-        <p14:creationId xmlns:p14="http://schemas.microsoft.com/office/powerpoint/2010/main" xmlns="" val="209635610"/>
+        <p14:creationId xmlns="" xmlns:p14="http://schemas.microsoft.com/office/powerpoint/2010/main" val="209635610"/>
       </p:ext>
     </p:extLst>
   </p:cSld>
@@ -1068,7 +1070,7 @@
             <a:fld id="{3877EA91-E04C-4D1C-A39E-FBD0799BEDD7}" type="datetimeFigureOut">
               <a:rPr lang="en-US" smtClean="0"/>
               <a:pPr/>
-              <a:t>12/20/2016</a:t>
+              <a:t>12/21/2016</a:t>
             </a:fld>
             <a:endParaRPr lang="en-US"/>
           </a:p>
@@ -1120,7 +1122,7 @@
     </p:spTree>
     <p:extLst>
       <p:ext uri="{BB962C8B-B14F-4D97-AF65-F5344CB8AC3E}">
-        <p14:creationId xmlns:p14="http://schemas.microsoft.com/office/powerpoint/2010/main" xmlns="" val="3418171736"/>
+        <p14:creationId xmlns="" xmlns:p14="http://schemas.microsoft.com/office/powerpoint/2010/main" val="3418171736"/>
       </p:ext>
     </p:extLst>
   </p:cSld>
@@ -1250,7 +1252,7 @@
             <a:fld id="{3877EA91-E04C-4D1C-A39E-FBD0799BEDD7}" type="datetimeFigureOut">
               <a:rPr lang="en-US" smtClean="0"/>
               <a:pPr/>
-              <a:t>12/20/2016</a:t>
+              <a:t>12/21/2016</a:t>
             </a:fld>
             <a:endParaRPr lang="en-US"/>
           </a:p>
@@ -1302,7 +1304,7 @@
     </p:spTree>
     <p:extLst>
       <p:ext uri="{BB962C8B-B14F-4D97-AF65-F5344CB8AC3E}">
-        <p14:creationId xmlns:p14="http://schemas.microsoft.com/office/powerpoint/2010/main" xmlns="" val="867631473"/>
+        <p14:creationId xmlns="" xmlns:p14="http://schemas.microsoft.com/office/powerpoint/2010/main" val="867631473"/>
       </p:ext>
     </p:extLst>
   </p:cSld>
@@ -1422,7 +1424,7 @@
             <a:fld id="{3877EA91-E04C-4D1C-A39E-FBD0799BEDD7}" type="datetimeFigureOut">
               <a:rPr lang="en-US" smtClean="0"/>
               <a:pPr/>
-              <a:t>12/20/2016</a:t>
+              <a:t>12/21/2016</a:t>
             </a:fld>
             <a:endParaRPr lang="en-US"/>
           </a:p>
@@ -1474,7 +1476,7 @@
     </p:spTree>
     <p:extLst>
       <p:ext uri="{BB962C8B-B14F-4D97-AF65-F5344CB8AC3E}">
-        <p14:creationId xmlns:p14="http://schemas.microsoft.com/office/powerpoint/2010/main" xmlns="" val="1948375686"/>
+        <p14:creationId xmlns="" xmlns:p14="http://schemas.microsoft.com/office/powerpoint/2010/main" val="1948375686"/>
       </p:ext>
     </p:extLst>
   </p:cSld>
@@ -1670,7 +1672,7 @@
             <a:fld id="{3877EA91-E04C-4D1C-A39E-FBD0799BEDD7}" type="datetimeFigureOut">
               <a:rPr lang="en-US" smtClean="0"/>
               <a:pPr/>
-              <a:t>12/20/2016</a:t>
+              <a:t>12/21/2016</a:t>
             </a:fld>
             <a:endParaRPr lang="en-US"/>
           </a:p>
@@ -1722,7 +1724,7 @@
     </p:spTree>
     <p:extLst>
       <p:ext uri="{BB962C8B-B14F-4D97-AF65-F5344CB8AC3E}">
-        <p14:creationId xmlns:p14="http://schemas.microsoft.com/office/powerpoint/2010/main" xmlns="" val="1903787647"/>
+        <p14:creationId xmlns="" xmlns:p14="http://schemas.microsoft.com/office/powerpoint/2010/main" val="1903787647"/>
       </p:ext>
     </p:extLst>
   </p:cSld>
@@ -1960,7 +1962,7 @@
             <a:fld id="{3877EA91-E04C-4D1C-A39E-FBD0799BEDD7}" type="datetimeFigureOut">
               <a:rPr lang="en-US" smtClean="0"/>
               <a:pPr/>
-              <a:t>12/20/2016</a:t>
+              <a:t>12/21/2016</a:t>
             </a:fld>
             <a:endParaRPr lang="en-US"/>
           </a:p>
@@ -2012,7 +2014,7 @@
     </p:spTree>
     <p:extLst>
       <p:ext uri="{BB962C8B-B14F-4D97-AF65-F5344CB8AC3E}">
-        <p14:creationId xmlns:p14="http://schemas.microsoft.com/office/powerpoint/2010/main" xmlns="" val="1035553531"/>
+        <p14:creationId xmlns="" xmlns:p14="http://schemas.microsoft.com/office/powerpoint/2010/main" val="1035553531"/>
       </p:ext>
     </p:extLst>
   </p:cSld>
@@ -2384,7 +2386,7 @@
             <a:fld id="{3877EA91-E04C-4D1C-A39E-FBD0799BEDD7}" type="datetimeFigureOut">
               <a:rPr lang="en-US" smtClean="0"/>
               <a:pPr/>
-              <a:t>12/20/2016</a:t>
+              <a:t>12/21/2016</a:t>
             </a:fld>
             <a:endParaRPr lang="en-US"/>
           </a:p>
@@ -2436,7 +2438,7 @@
     </p:spTree>
     <p:extLst>
       <p:ext uri="{BB962C8B-B14F-4D97-AF65-F5344CB8AC3E}">
-        <p14:creationId xmlns:p14="http://schemas.microsoft.com/office/powerpoint/2010/main" xmlns="" val="453774783"/>
+        <p14:creationId xmlns="" xmlns:p14="http://schemas.microsoft.com/office/powerpoint/2010/main" val="453774783"/>
       </p:ext>
     </p:extLst>
   </p:cSld>
@@ -2504,7 +2506,7 @@
             <a:fld id="{3877EA91-E04C-4D1C-A39E-FBD0799BEDD7}" type="datetimeFigureOut">
               <a:rPr lang="en-US" smtClean="0"/>
               <a:pPr/>
-              <a:t>12/20/2016</a:t>
+              <a:t>12/21/2016</a:t>
             </a:fld>
             <a:endParaRPr lang="en-US"/>
           </a:p>
@@ -2556,7 +2558,7 @@
     </p:spTree>
     <p:extLst>
       <p:ext uri="{BB962C8B-B14F-4D97-AF65-F5344CB8AC3E}">
-        <p14:creationId xmlns:p14="http://schemas.microsoft.com/office/powerpoint/2010/main" xmlns="" val="2001349477"/>
+        <p14:creationId xmlns="" xmlns:p14="http://schemas.microsoft.com/office/powerpoint/2010/main" val="2001349477"/>
       </p:ext>
     </p:extLst>
   </p:cSld>
@@ -2601,7 +2603,7 @@
             <a:fld id="{3877EA91-E04C-4D1C-A39E-FBD0799BEDD7}" type="datetimeFigureOut">
               <a:rPr lang="en-US" smtClean="0"/>
               <a:pPr/>
-              <a:t>12/20/2016</a:t>
+              <a:t>12/21/2016</a:t>
             </a:fld>
             <a:endParaRPr lang="en-US"/>
           </a:p>
@@ -2653,7 +2655,7 @@
     </p:spTree>
     <p:extLst>
       <p:ext uri="{BB962C8B-B14F-4D97-AF65-F5344CB8AC3E}">
-        <p14:creationId xmlns:p14="http://schemas.microsoft.com/office/powerpoint/2010/main" xmlns="" val="1820672657"/>
+        <p14:creationId xmlns="" xmlns:p14="http://schemas.microsoft.com/office/powerpoint/2010/main" val="1820672657"/>
       </p:ext>
     </p:extLst>
   </p:cSld>
@@ -2880,7 +2882,7 @@
             <a:fld id="{3877EA91-E04C-4D1C-A39E-FBD0799BEDD7}" type="datetimeFigureOut">
               <a:rPr lang="en-US" smtClean="0"/>
               <a:pPr/>
-              <a:t>12/20/2016</a:t>
+              <a:t>12/21/2016</a:t>
             </a:fld>
             <a:endParaRPr lang="en-US"/>
           </a:p>
@@ -2932,7 +2934,7 @@
     </p:spTree>
     <p:extLst>
       <p:ext uri="{BB962C8B-B14F-4D97-AF65-F5344CB8AC3E}">
-        <p14:creationId xmlns:p14="http://schemas.microsoft.com/office/powerpoint/2010/main" xmlns="" val="2489790497"/>
+        <p14:creationId xmlns="" xmlns:p14="http://schemas.microsoft.com/office/powerpoint/2010/main" val="2489790497"/>
       </p:ext>
     </p:extLst>
   </p:cSld>
@@ -3135,7 +3137,7 @@
             <a:fld id="{3877EA91-E04C-4D1C-A39E-FBD0799BEDD7}" type="datetimeFigureOut">
               <a:rPr lang="en-US" smtClean="0"/>
               <a:pPr/>
-              <a:t>12/20/2016</a:t>
+              <a:t>12/21/2016</a:t>
             </a:fld>
             <a:endParaRPr lang="en-US"/>
           </a:p>
@@ -3187,7 +3189,7 @@
     </p:spTree>
     <p:extLst>
       <p:ext uri="{BB962C8B-B14F-4D97-AF65-F5344CB8AC3E}">
-        <p14:creationId xmlns:p14="http://schemas.microsoft.com/office/powerpoint/2010/main" xmlns="" val="3952036634"/>
+        <p14:creationId xmlns="" xmlns:p14="http://schemas.microsoft.com/office/powerpoint/2010/main" val="3952036634"/>
       </p:ext>
     </p:extLst>
   </p:cSld>
@@ -3359,7 +3361,7 @@
             <a:fld id="{3877EA91-E04C-4D1C-A39E-FBD0799BEDD7}" type="datetimeFigureOut">
               <a:rPr lang="en-US" smtClean="0"/>
               <a:pPr/>
-              <a:t>12/20/2016</a:t>
+              <a:t>12/21/2016</a:t>
             </a:fld>
             <a:endParaRPr lang="en-US"/>
           </a:p>
@@ -3447,7 +3449,7 @@
     </p:spTree>
     <p:extLst>
       <p:ext uri="{BB962C8B-B14F-4D97-AF65-F5344CB8AC3E}">
-        <p14:creationId xmlns:p14="http://schemas.microsoft.com/office/powerpoint/2010/main" xmlns="" val="2962468041"/>
+        <p14:creationId xmlns="" xmlns:p14="http://schemas.microsoft.com/office/powerpoint/2010/main" val="2962468041"/>
       </p:ext>
     </p:extLst>
   </p:cSld>
@@ -3907,7 +3909,7 @@
     </p:spTree>
     <p:extLst>
       <p:ext uri="{BB962C8B-B14F-4D97-AF65-F5344CB8AC3E}">
-        <p14:creationId xmlns:p14="http://schemas.microsoft.com/office/powerpoint/2010/main" xmlns="" val="987628861"/>
+        <p14:creationId xmlns="" xmlns:p14="http://schemas.microsoft.com/office/powerpoint/2010/main" val="987628861"/>
       </p:ext>
     </p:extLst>
   </p:cSld>
@@ -3983,25 +3985,21 @@
               <a:buNone/>
             </a:pPr>
             <a:r>
+              <a:rPr lang="en-US" dirty="0" smtClean="0">
+                <a:solidFill>
+                  <a:srgbClr val="FF0000"/>
+                </a:solidFill>
+              </a:rPr>
+              <a:t>&lt;CHART&gt; - Panel size Vs yearly costs</a:t>
+            </a:r>
+          </a:p>
+          <a:p>
+            <a:pPr>
+              <a:buNone/>
+            </a:pPr>
+            <a:r>
               <a:rPr lang="en-US" dirty="0" smtClean="0"/>
-              <a:t>&lt;CHART&gt; - Panel size Vs yearly costs</a:t>
-            </a:r>
-          </a:p>
-          <a:p>
-            <a:pPr>
-              <a:buNone/>
-            </a:pPr>
-            <a:r>
-              <a:rPr lang="en-US" dirty="0" smtClean="0"/>
-              <a:t>For the typical (suburban) New York family, a PV system consisting of </a:t>
-            </a:r>
-            <a:r>
-              <a:rPr lang="en-US" dirty="0" smtClean="0"/>
-              <a:t>25 panels </a:t>
-            </a:r>
-            <a:r>
-              <a:rPr lang="en-US" dirty="0" smtClean="0"/>
-              <a:t>will be needed to virtually offset monthly/yearly electricity costs.</a:t>
+              <a:t>For the typical (suburban) New York family, a PV system consisting of 25 panels will be needed to virtually offset monthly/yearly electricity costs.</a:t>
             </a:r>
             <a:endParaRPr lang="en-US" dirty="0"/>
           </a:p>
@@ -4304,11 +4302,7 @@
             </a:pPr>
             <a:r>
               <a:rPr lang="en-US" sz="2400" dirty="0" smtClean="0"/>
-              <a:t>As </a:t>
-            </a:r>
-            <a:r>
-              <a:rPr lang="en-US" sz="2400" dirty="0" smtClean="0"/>
-              <a:t>awareness of climate change increases, there is a growing trend to reduce reliance on fossil fuel. Renewable energy comes in many forms but we will focus our attention on solar power in this project. We will simulate various aspects of power generation with Solar Photovoltaic system and consider system size, power usage, and cost of obtaining a solar PV system. </a:t>
+              <a:t>As awareness of climate change increases, there is a growing trend to reduce reliance on fossil fuel. Renewable energy comes in many forms but we will focus our attention on solar power in this project. We will simulate various aspects of power generation with Solar Photovoltaic system and consider system size, power usage, and cost of obtaining a solar PV system. </a:t>
             </a:r>
           </a:p>
           <a:p>
@@ -4589,15 +4583,7 @@
           <a:p>
             <a:r>
               <a:rPr lang="en-US" sz="2800" b="1" dirty="0" smtClean="0"/>
-              <a:t>Should I invest </a:t>
-            </a:r>
-            <a:r>
-              <a:rPr lang="en-US" sz="2800" b="1" dirty="0" smtClean="0"/>
-              <a:t>in a solar PV </a:t>
-            </a:r>
-            <a:r>
-              <a:rPr lang="en-US" sz="2800" b="1" dirty="0" smtClean="0"/>
-              <a:t>system?</a:t>
+              <a:t>Should I invest in a solar PV system?</a:t>
             </a:r>
             <a:endParaRPr lang="en-US" sz="2800" b="1" dirty="0"/>
           </a:p>
@@ -4628,19 +4614,7 @@
           <a:p>
             <a:r>
               <a:rPr lang="en-US" sz="2800" dirty="0" smtClean="0"/>
-              <a:t>How much can I </a:t>
-            </a:r>
-            <a:r>
-              <a:rPr lang="en-US" sz="2800" dirty="0" smtClean="0"/>
-              <a:t>expect </a:t>
-            </a:r>
-            <a:r>
-              <a:rPr lang="en-US" sz="2800" dirty="0" smtClean="0"/>
-              <a:t>to </a:t>
-            </a:r>
-            <a:r>
-              <a:rPr lang="en-US" sz="2800" dirty="0" smtClean="0"/>
-              <a:t>save?</a:t>
+              <a:t>How much can I expect to save?</a:t>
             </a:r>
           </a:p>
           <a:p>
@@ -4648,7 +4622,6 @@
               <a:rPr lang="en-US" sz="2800" dirty="0" smtClean="0"/>
               <a:t>How long is my payback period?</a:t>
             </a:r>
-            <a:endParaRPr lang="en-US" sz="2800" dirty="0" smtClean="0"/>
           </a:p>
         </p:txBody>
       </p:sp>
@@ -4744,49 +4717,29 @@
             <a:pPr lvl="1"/>
             <a:r>
               <a:rPr lang="en-US" dirty="0" smtClean="0"/>
-              <a:t>Amount </a:t>
-            </a:r>
+              <a:t>Amount  of sunlight</a:t>
+            </a:r>
+          </a:p>
+          <a:p>
+            <a:pPr lvl="1"/>
             <a:r>
               <a:rPr lang="en-US" dirty="0" smtClean="0"/>
-              <a:t> of sunlight</a:t>
-            </a:r>
-            <a:endParaRPr lang="en-US" dirty="0" smtClean="0"/>
-          </a:p>
-          <a:p>
-            <a:pPr lvl="1"/>
+              <a:t>Electricity usage pattern</a:t>
+            </a:r>
+          </a:p>
+          <a:p>
+            <a:pPr lvl="2"/>
             <a:r>
               <a:rPr lang="en-US" dirty="0" smtClean="0"/>
-              <a:t>Electricity </a:t>
-            </a:r>
+              <a:t>Warmer climate – air conditioner</a:t>
+            </a:r>
+          </a:p>
+          <a:p>
+            <a:pPr lvl="2"/>
             <a:r>
               <a:rPr lang="en-US" dirty="0" smtClean="0"/>
-              <a:t>usage pattern</a:t>
-            </a:r>
-            <a:endParaRPr lang="en-US" dirty="0" smtClean="0"/>
-          </a:p>
-          <a:p>
-            <a:pPr lvl="2"/>
-            <a:r>
-              <a:rPr lang="en-US" dirty="0" smtClean="0"/>
-              <a:t>Warmer climate – </a:t>
-            </a:r>
-            <a:r>
-              <a:rPr lang="en-US" dirty="0" smtClean="0"/>
-              <a:t>air conditioner</a:t>
-            </a:r>
-            <a:endParaRPr lang="en-US" dirty="0" smtClean="0"/>
-          </a:p>
-          <a:p>
-            <a:pPr lvl="2"/>
-            <a:r>
-              <a:rPr lang="en-US" dirty="0" smtClean="0"/>
-              <a:t>Cooler climate – </a:t>
-            </a:r>
-            <a:r>
-              <a:rPr lang="en-US" dirty="0" smtClean="0"/>
-              <a:t>space heating</a:t>
-            </a:r>
-            <a:endParaRPr lang="en-US" dirty="0" smtClean="0"/>
+              <a:t>Cooler climate – space heating</a:t>
+            </a:r>
           </a:p>
           <a:p>
             <a:pPr lvl="1"/>
@@ -4853,6 +4806,73 @@
           <a:p>
             <a:r>
               <a:rPr lang="en-US" dirty="0" smtClean="0"/>
+              <a:t>Assumptions</a:t>
+            </a:r>
+            <a:endParaRPr lang="en-US" dirty="0"/>
+          </a:p>
+        </p:txBody>
+      </p:sp>
+      <p:sp>
+        <p:nvSpPr>
+          <p:cNvPr id="3" name="Content Placeholder 2"/>
+          <p:cNvSpPr>
+            <a:spLocks noGrp="1"/>
+          </p:cNvSpPr>
+          <p:nvPr>
+            <p:ph idx="1"/>
+          </p:nvPr>
+        </p:nvSpPr>
+        <p:spPr/>
+        <p:txBody>
+          <a:bodyPr/>
+          <a:lstStyle/>
+          <a:p>
+            <a:endParaRPr lang="en-US" dirty="0"/>
+          </a:p>
+        </p:txBody>
+      </p:sp>
+    </p:spTree>
+  </p:cSld>
+  <p:clrMapOvr>
+    <a:masterClrMapping/>
+  </p:clrMapOvr>
+</p:sld>
+</file>
+
+<file path=ppt/slides/slide9.xml><?xml version="1.0" encoding="utf-8"?>
+<p:sld xmlns:a="http://schemas.openxmlformats.org/drawingml/2006/main" xmlns:r="http://schemas.openxmlformats.org/officeDocument/2006/relationships" xmlns:p="http://schemas.openxmlformats.org/presentationml/2006/main">
+  <p:cSld>
+    <p:spTree>
+      <p:nvGrpSpPr>
+        <p:cNvPr id="1" name=""/>
+        <p:cNvGrpSpPr/>
+        <p:nvPr/>
+      </p:nvGrpSpPr>
+      <p:grpSpPr>
+        <a:xfrm>
+          <a:off x="0" y="0"/>
+          <a:ext cx="0" cy="0"/>
+          <a:chOff x="0" y="0"/>
+          <a:chExt cx="0" cy="0"/>
+        </a:xfrm>
+      </p:grpSpPr>
+      <p:sp>
+        <p:nvSpPr>
+          <p:cNvPr id="2" name="Title 1"/>
+          <p:cNvSpPr>
+            <a:spLocks noGrp="1"/>
+          </p:cNvSpPr>
+          <p:nvPr>
+            <p:ph type="title"/>
+          </p:nvPr>
+        </p:nvSpPr>
+        <p:spPr/>
+        <p:txBody>
+          <a:bodyPr/>
+          <a:lstStyle/>
+          <a:p>
+            <a:r>
+              <a:rPr lang="en-US" dirty="0" smtClean="0"/>
               <a:t>Approach</a:t>
             </a:r>
             <a:endParaRPr lang="en-US" dirty="0"/>
@@ -4883,11 +4903,7 @@
             <a:pPr lvl="1"/>
             <a:r>
               <a:rPr lang="en-US" dirty="0" smtClean="0"/>
-              <a:t>Solar power </a:t>
-            </a:r>
-            <a:r>
-              <a:rPr lang="en-US" dirty="0" smtClean="0"/>
-              <a:t>Generation</a:t>
+              <a:t>Solar power Generation</a:t>
             </a:r>
           </a:p>
           <a:p>
@@ -4942,73 +4958,6 @@
       </p:par>
     </p:tnLst>
   </p:timing>
-</p:sld>
-</file>
-
-<file path=ppt/slides/slide9.xml><?xml version="1.0" encoding="utf-8"?>
-<p:sld xmlns:a="http://schemas.openxmlformats.org/drawingml/2006/main" xmlns:r="http://schemas.openxmlformats.org/officeDocument/2006/relationships" xmlns:p="http://schemas.openxmlformats.org/presentationml/2006/main">
-  <p:cSld>
-    <p:spTree>
-      <p:nvGrpSpPr>
-        <p:cNvPr id="1" name=""/>
-        <p:cNvGrpSpPr/>
-        <p:nvPr/>
-      </p:nvGrpSpPr>
-      <p:grpSpPr>
-        <a:xfrm>
-          <a:off x="0" y="0"/>
-          <a:ext cx="0" cy="0"/>
-          <a:chOff x="0" y="0"/>
-          <a:chExt cx="0" cy="0"/>
-        </a:xfrm>
-      </p:grpSpPr>
-      <p:sp>
-        <p:nvSpPr>
-          <p:cNvPr id="2" name="Title 1"/>
-          <p:cNvSpPr>
-            <a:spLocks noGrp="1"/>
-          </p:cNvSpPr>
-          <p:nvPr>
-            <p:ph type="title"/>
-          </p:nvPr>
-        </p:nvSpPr>
-        <p:spPr/>
-        <p:txBody>
-          <a:bodyPr/>
-          <a:lstStyle/>
-          <a:p>
-            <a:r>
-              <a:rPr lang="en-US" dirty="0" smtClean="0"/>
-              <a:t>Assumptions</a:t>
-            </a:r>
-            <a:endParaRPr lang="en-US" dirty="0"/>
-          </a:p>
-        </p:txBody>
-      </p:sp>
-      <p:sp>
-        <p:nvSpPr>
-          <p:cNvPr id="3" name="Content Placeholder 2"/>
-          <p:cNvSpPr>
-            <a:spLocks noGrp="1"/>
-          </p:cNvSpPr>
-          <p:nvPr>
-            <p:ph idx="1"/>
-          </p:nvPr>
-        </p:nvSpPr>
-        <p:spPr/>
-        <p:txBody>
-          <a:bodyPr/>
-          <a:lstStyle/>
-          <a:p>
-            <a:endParaRPr lang="en-US" dirty="0"/>
-          </a:p>
-        </p:txBody>
-      </p:sp>
-    </p:spTree>
-  </p:cSld>
-  <p:clrMapOvr>
-    <a:masterClrMapping/>
-  </p:clrMapOvr>
 </p:sld>
 </file>
 

--- a/DATA604_Final/DATA604_Final_Presentation.pptx
+++ b/DATA604_Final/DATA604_Final_Presentation.pptx
@@ -950,7 +950,7 @@
     </p:spTree>
     <p:extLst>
       <p:ext uri="{BB962C8B-B14F-4D97-AF65-F5344CB8AC3E}">
-        <p14:creationId xmlns="" xmlns:p14="http://schemas.microsoft.com/office/powerpoint/2010/main" val="209635610"/>
+        <p14:creationId xmlns:p14="http://schemas.microsoft.com/office/powerpoint/2010/main" xmlns="" val="209635610"/>
       </p:ext>
     </p:extLst>
   </p:cSld>
@@ -1122,7 +1122,7 @@
     </p:spTree>
     <p:extLst>
       <p:ext uri="{BB962C8B-B14F-4D97-AF65-F5344CB8AC3E}">
-        <p14:creationId xmlns="" xmlns:p14="http://schemas.microsoft.com/office/powerpoint/2010/main" val="3418171736"/>
+        <p14:creationId xmlns:p14="http://schemas.microsoft.com/office/powerpoint/2010/main" xmlns="" val="3418171736"/>
       </p:ext>
     </p:extLst>
   </p:cSld>
@@ -1304,7 +1304,7 @@
     </p:spTree>
     <p:extLst>
       <p:ext uri="{BB962C8B-B14F-4D97-AF65-F5344CB8AC3E}">
-        <p14:creationId xmlns="" xmlns:p14="http://schemas.microsoft.com/office/powerpoint/2010/main" val="867631473"/>
+        <p14:creationId xmlns:p14="http://schemas.microsoft.com/office/powerpoint/2010/main" xmlns="" val="867631473"/>
       </p:ext>
     </p:extLst>
   </p:cSld>
@@ -1476,7 +1476,7 @@
     </p:spTree>
     <p:extLst>
       <p:ext uri="{BB962C8B-B14F-4D97-AF65-F5344CB8AC3E}">
-        <p14:creationId xmlns="" xmlns:p14="http://schemas.microsoft.com/office/powerpoint/2010/main" val="1948375686"/>
+        <p14:creationId xmlns:p14="http://schemas.microsoft.com/office/powerpoint/2010/main" xmlns="" val="1948375686"/>
       </p:ext>
     </p:extLst>
   </p:cSld>
@@ -1724,7 +1724,7 @@
     </p:spTree>
     <p:extLst>
       <p:ext uri="{BB962C8B-B14F-4D97-AF65-F5344CB8AC3E}">
-        <p14:creationId xmlns="" xmlns:p14="http://schemas.microsoft.com/office/powerpoint/2010/main" val="1903787647"/>
+        <p14:creationId xmlns:p14="http://schemas.microsoft.com/office/powerpoint/2010/main" xmlns="" val="1903787647"/>
       </p:ext>
     </p:extLst>
   </p:cSld>
@@ -2014,7 +2014,7 @@
     </p:spTree>
     <p:extLst>
       <p:ext uri="{BB962C8B-B14F-4D97-AF65-F5344CB8AC3E}">
-        <p14:creationId xmlns="" xmlns:p14="http://schemas.microsoft.com/office/powerpoint/2010/main" val="1035553531"/>
+        <p14:creationId xmlns:p14="http://schemas.microsoft.com/office/powerpoint/2010/main" xmlns="" val="1035553531"/>
       </p:ext>
     </p:extLst>
   </p:cSld>
@@ -2438,7 +2438,7 @@
     </p:spTree>
     <p:extLst>
       <p:ext uri="{BB962C8B-B14F-4D97-AF65-F5344CB8AC3E}">
-        <p14:creationId xmlns="" xmlns:p14="http://schemas.microsoft.com/office/powerpoint/2010/main" val="453774783"/>
+        <p14:creationId xmlns:p14="http://schemas.microsoft.com/office/powerpoint/2010/main" xmlns="" val="453774783"/>
       </p:ext>
     </p:extLst>
   </p:cSld>
@@ -2558,7 +2558,7 @@
     </p:spTree>
     <p:extLst>
       <p:ext uri="{BB962C8B-B14F-4D97-AF65-F5344CB8AC3E}">
-        <p14:creationId xmlns="" xmlns:p14="http://schemas.microsoft.com/office/powerpoint/2010/main" val="2001349477"/>
+        <p14:creationId xmlns:p14="http://schemas.microsoft.com/office/powerpoint/2010/main" xmlns="" val="2001349477"/>
       </p:ext>
     </p:extLst>
   </p:cSld>
@@ -2655,7 +2655,7 @@
     </p:spTree>
     <p:extLst>
       <p:ext uri="{BB962C8B-B14F-4D97-AF65-F5344CB8AC3E}">
-        <p14:creationId xmlns="" xmlns:p14="http://schemas.microsoft.com/office/powerpoint/2010/main" val="1820672657"/>
+        <p14:creationId xmlns:p14="http://schemas.microsoft.com/office/powerpoint/2010/main" xmlns="" val="1820672657"/>
       </p:ext>
     </p:extLst>
   </p:cSld>
@@ -2934,7 +2934,7 @@
     </p:spTree>
     <p:extLst>
       <p:ext uri="{BB962C8B-B14F-4D97-AF65-F5344CB8AC3E}">
-        <p14:creationId xmlns="" xmlns:p14="http://schemas.microsoft.com/office/powerpoint/2010/main" val="2489790497"/>
+        <p14:creationId xmlns:p14="http://schemas.microsoft.com/office/powerpoint/2010/main" xmlns="" val="2489790497"/>
       </p:ext>
     </p:extLst>
   </p:cSld>
@@ -3189,7 +3189,7 @@
     </p:spTree>
     <p:extLst>
       <p:ext uri="{BB962C8B-B14F-4D97-AF65-F5344CB8AC3E}">
-        <p14:creationId xmlns="" xmlns:p14="http://schemas.microsoft.com/office/powerpoint/2010/main" val="3952036634"/>
+        <p14:creationId xmlns:p14="http://schemas.microsoft.com/office/powerpoint/2010/main" xmlns="" val="3952036634"/>
       </p:ext>
     </p:extLst>
   </p:cSld>
@@ -3449,7 +3449,7 @@
     </p:spTree>
     <p:extLst>
       <p:ext uri="{BB962C8B-B14F-4D97-AF65-F5344CB8AC3E}">
-        <p14:creationId xmlns="" xmlns:p14="http://schemas.microsoft.com/office/powerpoint/2010/main" val="2962468041"/>
+        <p14:creationId xmlns:p14="http://schemas.microsoft.com/office/powerpoint/2010/main" xmlns="" val="2962468041"/>
       </p:ext>
     </p:extLst>
   </p:cSld>
@@ -3909,7 +3909,7 @@
     </p:spTree>
     <p:extLst>
       <p:ext uri="{BB962C8B-B14F-4D97-AF65-F5344CB8AC3E}">
-        <p14:creationId xmlns="" xmlns:p14="http://schemas.microsoft.com/office/powerpoint/2010/main" val="987628861"/>
+        <p14:creationId xmlns:p14="http://schemas.microsoft.com/office/powerpoint/2010/main" xmlns="" val="987628861"/>
       </p:ext>
     </p:extLst>
   </p:cSld>
@@ -3976,35 +3976,73 @@
             <p:ph idx="1"/>
           </p:nvPr>
         </p:nvSpPr>
-        <p:spPr/>
-        <p:txBody>
-          <a:bodyPr/>
+        <p:spPr>
+          <a:xfrm>
+            <a:off x="457200" y="3276600"/>
+            <a:ext cx="8229600" cy="2849563"/>
+          </a:xfrm>
+        </p:spPr>
+        <p:txBody>
+          <a:bodyPr>
+            <a:normAutofit/>
+          </a:bodyPr>
           <a:lstStyle/>
           <a:p>
             <a:pPr>
               <a:buNone/>
             </a:pPr>
             <a:r>
-              <a:rPr lang="en-US" dirty="0" smtClean="0">
-                <a:solidFill>
-                  <a:srgbClr val="FF0000"/>
-                </a:solidFill>
-              </a:rPr>
-              <a:t>&lt;CHART&gt; - Panel size Vs yearly costs</a:t>
-            </a:r>
-          </a:p>
-          <a:p>
-            <a:pPr>
-              <a:buNone/>
-            </a:pPr>
-            <a:r>
               <a:rPr lang="en-US" dirty="0" smtClean="0"/>
-              <a:t>For the typical (suburban) New York family, a PV system consisting of 25 panels will be needed to virtually offset monthly/yearly electricity costs.</a:t>
+              <a:t>For </a:t>
+            </a:r>
+            <a:r>
+              <a:rPr lang="en-US" dirty="0" smtClean="0"/>
+              <a:t>the typical (suburban) New York family, a PV system consisting of </a:t>
+            </a:r>
+            <a:r>
+              <a:rPr lang="en-US" dirty="0" smtClean="0"/>
+              <a:t>30 </a:t>
+            </a:r>
+            <a:r>
+              <a:rPr lang="en-US" dirty="0" smtClean="0"/>
+              <a:t>panels will be needed to virtually offset monthly/yearly electricity costs.</a:t>
             </a:r>
             <a:endParaRPr lang="en-US" dirty="0"/>
           </a:p>
         </p:txBody>
       </p:sp>
+      <p:pic>
+        <p:nvPicPr>
+          <p:cNvPr id="1027" name="Picture 3"/>
+          <p:cNvPicPr>
+            <a:picLocks noChangeAspect="1" noChangeArrowheads="1"/>
+          </p:cNvPicPr>
+          <p:nvPr/>
+        </p:nvPicPr>
+        <p:blipFill>
+          <a:blip r:embed="rId2" cstate="print"/>
+          <a:srcRect/>
+          <a:stretch>
+            <a:fillRect/>
+          </a:stretch>
+        </p:blipFill>
+        <p:spPr bwMode="auto">
+          <a:xfrm>
+            <a:off x="2286000" y="1676400"/>
+            <a:ext cx="4286250" cy="1362075"/>
+          </a:xfrm>
+          <a:prstGeom prst="rect">
+            <a:avLst/>
+          </a:prstGeom>
+          <a:noFill/>
+          <a:ln w="9525">
+            <a:noFill/>
+            <a:miter lim="800000"/>
+            <a:headEnd/>
+            <a:tailEnd/>
+          </a:ln>
+        </p:spPr>
+      </p:pic>
     </p:spTree>
   </p:cSld>
   <p:clrMapOvr>

--- a/DATA604_Final/DATA604_Final_Presentation.pptx
+++ b/DATA604_Final/DATA604_Final_Presentation.pptx
@@ -5,10 +5,10 @@
     <p:sldMasterId id="2147483648" r:id="rId1"/>
   </p:sldMasterIdLst>
   <p:notesMasterIdLst>
-    <p:notesMasterId r:id="rId13"/>
+    <p:notesMasterId r:id="rId14"/>
   </p:notesMasterIdLst>
   <p:handoutMasterIdLst>
-    <p:handoutMasterId r:id="rId14"/>
+    <p:handoutMasterId r:id="rId15"/>
   </p:handoutMasterIdLst>
   <p:sldIdLst>
     <p:sldId id="256" r:id="rId2"/>
@@ -22,6 +22,7 @@
     <p:sldId id="265" r:id="rId10"/>
     <p:sldId id="264" r:id="rId11"/>
     <p:sldId id="269" r:id="rId12"/>
+    <p:sldId id="274" r:id="rId13"/>
   </p:sldIdLst>
   <p:sldSz cx="9144000" cy="6858000" type="screen4x3"/>
   <p:notesSz cx="6858000" cy="9296400"/>
@@ -950,7 +951,7 @@
     </p:spTree>
     <p:extLst>
       <p:ext uri="{BB962C8B-B14F-4D97-AF65-F5344CB8AC3E}">
-        <p14:creationId xmlns:p14="http://schemas.microsoft.com/office/powerpoint/2010/main" xmlns="" val="209635610"/>
+        <p14:creationId xmlns="" xmlns:p14="http://schemas.microsoft.com/office/powerpoint/2010/main" val="209635610"/>
       </p:ext>
     </p:extLst>
   </p:cSld>
@@ -1122,7 +1123,7 @@
     </p:spTree>
     <p:extLst>
       <p:ext uri="{BB962C8B-B14F-4D97-AF65-F5344CB8AC3E}">
-        <p14:creationId xmlns:p14="http://schemas.microsoft.com/office/powerpoint/2010/main" xmlns="" val="3418171736"/>
+        <p14:creationId xmlns="" xmlns:p14="http://schemas.microsoft.com/office/powerpoint/2010/main" val="3418171736"/>
       </p:ext>
     </p:extLst>
   </p:cSld>
@@ -1304,7 +1305,7 @@
     </p:spTree>
     <p:extLst>
       <p:ext uri="{BB962C8B-B14F-4D97-AF65-F5344CB8AC3E}">
-        <p14:creationId xmlns:p14="http://schemas.microsoft.com/office/powerpoint/2010/main" xmlns="" val="867631473"/>
+        <p14:creationId xmlns="" xmlns:p14="http://schemas.microsoft.com/office/powerpoint/2010/main" val="867631473"/>
       </p:ext>
     </p:extLst>
   </p:cSld>
@@ -1476,7 +1477,7 @@
     </p:spTree>
     <p:extLst>
       <p:ext uri="{BB962C8B-B14F-4D97-AF65-F5344CB8AC3E}">
-        <p14:creationId xmlns:p14="http://schemas.microsoft.com/office/powerpoint/2010/main" xmlns="" val="1948375686"/>
+        <p14:creationId xmlns="" xmlns:p14="http://schemas.microsoft.com/office/powerpoint/2010/main" val="1948375686"/>
       </p:ext>
     </p:extLst>
   </p:cSld>
@@ -1724,7 +1725,7 @@
     </p:spTree>
     <p:extLst>
       <p:ext uri="{BB962C8B-B14F-4D97-AF65-F5344CB8AC3E}">
-        <p14:creationId xmlns:p14="http://schemas.microsoft.com/office/powerpoint/2010/main" xmlns="" val="1903787647"/>
+        <p14:creationId xmlns="" xmlns:p14="http://schemas.microsoft.com/office/powerpoint/2010/main" val="1903787647"/>
       </p:ext>
     </p:extLst>
   </p:cSld>
@@ -2014,7 +2015,7 @@
     </p:spTree>
     <p:extLst>
       <p:ext uri="{BB962C8B-B14F-4D97-AF65-F5344CB8AC3E}">
-        <p14:creationId xmlns:p14="http://schemas.microsoft.com/office/powerpoint/2010/main" xmlns="" val="1035553531"/>
+        <p14:creationId xmlns="" xmlns:p14="http://schemas.microsoft.com/office/powerpoint/2010/main" val="1035553531"/>
       </p:ext>
     </p:extLst>
   </p:cSld>
@@ -2438,7 +2439,7 @@
     </p:spTree>
     <p:extLst>
       <p:ext uri="{BB962C8B-B14F-4D97-AF65-F5344CB8AC3E}">
-        <p14:creationId xmlns:p14="http://schemas.microsoft.com/office/powerpoint/2010/main" xmlns="" val="453774783"/>
+        <p14:creationId xmlns="" xmlns:p14="http://schemas.microsoft.com/office/powerpoint/2010/main" val="453774783"/>
       </p:ext>
     </p:extLst>
   </p:cSld>
@@ -2558,7 +2559,7 @@
     </p:spTree>
     <p:extLst>
       <p:ext uri="{BB962C8B-B14F-4D97-AF65-F5344CB8AC3E}">
-        <p14:creationId xmlns:p14="http://schemas.microsoft.com/office/powerpoint/2010/main" xmlns="" val="2001349477"/>
+        <p14:creationId xmlns="" xmlns:p14="http://schemas.microsoft.com/office/powerpoint/2010/main" val="2001349477"/>
       </p:ext>
     </p:extLst>
   </p:cSld>
@@ -2655,7 +2656,7 @@
     </p:spTree>
     <p:extLst>
       <p:ext uri="{BB962C8B-B14F-4D97-AF65-F5344CB8AC3E}">
-        <p14:creationId xmlns:p14="http://schemas.microsoft.com/office/powerpoint/2010/main" xmlns="" val="1820672657"/>
+        <p14:creationId xmlns="" xmlns:p14="http://schemas.microsoft.com/office/powerpoint/2010/main" val="1820672657"/>
       </p:ext>
     </p:extLst>
   </p:cSld>
@@ -2934,7 +2935,7 @@
     </p:spTree>
     <p:extLst>
       <p:ext uri="{BB962C8B-B14F-4D97-AF65-F5344CB8AC3E}">
-        <p14:creationId xmlns:p14="http://schemas.microsoft.com/office/powerpoint/2010/main" xmlns="" val="2489790497"/>
+        <p14:creationId xmlns="" xmlns:p14="http://schemas.microsoft.com/office/powerpoint/2010/main" val="2489790497"/>
       </p:ext>
     </p:extLst>
   </p:cSld>
@@ -3189,7 +3190,7 @@
     </p:spTree>
     <p:extLst>
       <p:ext uri="{BB962C8B-B14F-4D97-AF65-F5344CB8AC3E}">
-        <p14:creationId xmlns:p14="http://schemas.microsoft.com/office/powerpoint/2010/main" xmlns="" val="3952036634"/>
+        <p14:creationId xmlns="" xmlns:p14="http://schemas.microsoft.com/office/powerpoint/2010/main" val="3952036634"/>
       </p:ext>
     </p:extLst>
   </p:cSld>
@@ -3449,7 +3450,7 @@
     </p:spTree>
     <p:extLst>
       <p:ext uri="{BB962C8B-B14F-4D97-AF65-F5344CB8AC3E}">
-        <p14:creationId xmlns:p14="http://schemas.microsoft.com/office/powerpoint/2010/main" xmlns="" val="2962468041"/>
+        <p14:creationId xmlns="" xmlns:p14="http://schemas.microsoft.com/office/powerpoint/2010/main" val="2962468041"/>
       </p:ext>
     </p:extLst>
   </p:cSld>
@@ -3909,7 +3910,7 @@
     </p:spTree>
     <p:extLst>
       <p:ext uri="{BB962C8B-B14F-4D97-AF65-F5344CB8AC3E}">
-        <p14:creationId xmlns:p14="http://schemas.microsoft.com/office/powerpoint/2010/main" xmlns="" val="987628861"/>
+        <p14:creationId xmlns="" xmlns:p14="http://schemas.microsoft.com/office/powerpoint/2010/main" val="987628861"/>
       </p:ext>
     </p:extLst>
   </p:cSld>
@@ -3993,19 +3994,7 @@
             </a:pPr>
             <a:r>
               <a:rPr lang="en-US" dirty="0" smtClean="0"/>
-              <a:t>For </a:t>
-            </a:r>
-            <a:r>
-              <a:rPr lang="en-US" dirty="0" smtClean="0"/>
-              <a:t>the typical (suburban) New York family, a PV system consisting of </a:t>
-            </a:r>
-            <a:r>
-              <a:rPr lang="en-US" dirty="0" smtClean="0"/>
-              <a:t>30 </a:t>
-            </a:r>
-            <a:r>
-              <a:rPr lang="en-US" dirty="0" smtClean="0"/>
-              <a:t>panels will be needed to virtually offset monthly/yearly electricity costs.</a:t>
+              <a:t>For the typical (suburban) New York family, a PV system consisting of 30 panels will be needed to virtually offset monthly/yearly electricity costs.</a:t>
             </a:r>
             <a:endParaRPr lang="en-US" dirty="0"/>
           </a:p>
@@ -4152,6 +4141,123 @@
 </p:sld>
 </file>
 
+<file path=ppt/slides/slide12.xml><?xml version="1.0" encoding="utf-8"?>
+<p:sld xmlns:a="http://schemas.openxmlformats.org/drawingml/2006/main" xmlns:r="http://schemas.openxmlformats.org/officeDocument/2006/relationships" xmlns:p="http://schemas.openxmlformats.org/presentationml/2006/main">
+  <p:cSld>
+    <p:spTree>
+      <p:nvGrpSpPr>
+        <p:cNvPr id="1" name=""/>
+        <p:cNvGrpSpPr/>
+        <p:nvPr/>
+      </p:nvGrpSpPr>
+      <p:grpSpPr>
+        <a:xfrm>
+          <a:off x="0" y="0"/>
+          <a:ext cx="0" cy="0"/>
+          <a:chOff x="0" y="0"/>
+          <a:chExt cx="0" cy="0"/>
+        </a:xfrm>
+      </p:grpSpPr>
+      <p:sp>
+        <p:nvSpPr>
+          <p:cNvPr id="2" name="Title 1"/>
+          <p:cNvSpPr>
+            <a:spLocks noGrp="1"/>
+          </p:cNvSpPr>
+          <p:nvPr>
+            <p:ph type="title"/>
+          </p:nvPr>
+        </p:nvSpPr>
+        <p:spPr/>
+        <p:txBody>
+          <a:bodyPr/>
+          <a:lstStyle/>
+          <a:p>
+            <a:r>
+              <a:rPr lang="en-US" dirty="0" smtClean="0"/>
+              <a:t>References</a:t>
+            </a:r>
+            <a:endParaRPr lang="en-US" dirty="0"/>
+          </a:p>
+        </p:txBody>
+      </p:sp>
+      <p:sp>
+        <p:nvSpPr>
+          <p:cNvPr id="3" name="Content Placeholder 2"/>
+          <p:cNvSpPr>
+            <a:spLocks noGrp="1"/>
+          </p:cNvSpPr>
+          <p:nvPr>
+            <p:ph idx="1"/>
+          </p:nvPr>
+        </p:nvSpPr>
+        <p:spPr/>
+        <p:txBody>
+          <a:bodyPr>
+            <a:normAutofit/>
+          </a:bodyPr>
+          <a:lstStyle/>
+          <a:p>
+            <a:r>
+              <a:rPr lang="en-US" sz="2400" dirty="0" smtClean="0"/>
+              <a:t>National Renewable Energy Laboratory</a:t>
+            </a:r>
+          </a:p>
+          <a:p>
+            <a:pPr lvl="1"/>
+            <a:r>
+              <a:rPr lang="en-US" sz="1200" dirty="0" smtClean="0"/>
+              <a:t>http://</a:t>
+            </a:r>
+            <a:r>
+              <a:rPr lang="en-US" sz="1200" dirty="0" smtClean="0"/>
+              <a:t>rredc.nrel.gov/solar/old_data/nsrdb/1961-1990/redbook/sum2/94728.txt</a:t>
+            </a:r>
+          </a:p>
+          <a:p>
+            <a:r>
+              <a:rPr lang="en-US" sz="2400" dirty="0" smtClean="0"/>
+              <a:t>U.S. Bureau of Labor Statistics</a:t>
+            </a:r>
+          </a:p>
+          <a:p>
+            <a:pPr lvl="1"/>
+            <a:r>
+              <a:rPr lang="en-US" sz="1200" dirty="0" smtClean="0"/>
+              <a:t>https</a:t>
+            </a:r>
+            <a:r>
+              <a:rPr lang="en-US" sz="1200" dirty="0" smtClean="0"/>
+              <a:t>://</a:t>
+            </a:r>
+            <a:r>
+              <a:rPr lang="en-US" sz="1200" dirty="0" smtClean="0"/>
+              <a:t>www.bls.gov/regions/new-york-new-jersey/news-release/averageenergyprices_newyorkarea.htm</a:t>
+            </a:r>
+          </a:p>
+          <a:p>
+            <a:r>
+              <a:rPr lang="en-US" sz="2400" dirty="0" smtClean="0"/>
+              <a:t>Energy Information Agency</a:t>
+            </a:r>
+          </a:p>
+          <a:p>
+            <a:pPr lvl="1"/>
+            <a:r>
+              <a:rPr lang="en-US" sz="1200" dirty="0" smtClean="0"/>
+              <a:t>http://www.eia.gov/electricity/sales_revenue_price/xls/table5_a.xlsx</a:t>
+            </a:r>
+          </a:p>
+        </p:txBody>
+      </p:sp>
+    </p:spTree>
+  </p:cSld>
+  <p:clrMapOvr>
+    <a:masterClrMapping/>
+  </p:clrMapOvr>
+</p:sld>
+</file>
+
 <file path=ppt/slides/slide2.xml><?xml version="1.0" encoding="utf-8"?>
 <p:sld xmlns:a="http://schemas.openxmlformats.org/drawingml/2006/main" xmlns:r="http://schemas.openxmlformats.org/officeDocument/2006/relationships" xmlns:p="http://schemas.openxmlformats.org/presentationml/2006/main">
   <p:cSld>
@@ -4422,7 +4528,17 @@
           <a:p>
             <a:r>
               <a:rPr lang="en-US" sz="2800" dirty="0" smtClean="0"/>
-              <a:t>Cost of electricity will continue to trend upwards</a:t>
+              <a:t>Cost of electricity will continue to trend </a:t>
+            </a:r>
+            <a:r>
+              <a:rPr lang="en-US" sz="2800" dirty="0" smtClean="0"/>
+              <a:t>upwards</a:t>
+            </a:r>
+          </a:p>
+          <a:p>
+            <a:r>
+              <a:rPr lang="en-US" sz="2800" dirty="0" smtClean="0"/>
+              <a:t>Cost is cyclic but overall, trending upwards</a:t>
             </a:r>
             <a:endParaRPr lang="en-US" sz="2800" dirty="0"/>
           </a:p>
@@ -4519,7 +4635,24 @@
           <a:p>
             <a:r>
               <a:rPr lang="en-US" dirty="0" smtClean="0"/>
-              <a:t>Cost per watt declining</a:t>
+              <a:t>Cost per watt </a:t>
+            </a:r>
+            <a:r>
+              <a:rPr lang="en-US" dirty="0" smtClean="0"/>
+              <a:t>declining at a rapid pace</a:t>
+            </a:r>
+          </a:p>
+          <a:p>
+            <a:pPr lvl="1"/>
+            <a:r>
+              <a:rPr lang="en-US" dirty="0" smtClean="0"/>
+              <a:t>Fueled by declining panel prices</a:t>
+            </a:r>
+          </a:p>
+          <a:p>
+            <a:r>
+              <a:rPr lang="en-US" dirty="0" smtClean="0"/>
+              <a:t>Still high because of ‘non product’ costs</a:t>
             </a:r>
             <a:endParaRPr lang="en-US" dirty="0"/>
           </a:p>
@@ -4740,15 +4873,13 @@
           </a:bodyPr>
           <a:lstStyle/>
           <a:p>
-            <a:pPr>
-              <a:buNone/>
-            </a:pPr>
-            <a:endParaRPr lang="en-US" sz="2400" dirty="0" smtClean="0"/>
-          </a:p>
-          <a:p>
             <a:r>
               <a:rPr lang="en-US" dirty="0" smtClean="0"/>
-              <a:t>Variations to the data based on location</a:t>
+              <a:t>Variations </a:t>
+            </a:r>
+            <a:r>
+              <a:rPr lang="en-US" dirty="0" smtClean="0"/>
+              <a:t>to the data based on location</a:t>
             </a:r>
           </a:p>
           <a:p>
@@ -4789,8 +4920,17 @@
           <a:p>
             <a:r>
               <a:rPr lang="en-US" sz="2800" dirty="0" smtClean="0"/>
-              <a:t>Simulate Based on Nassau County, NY</a:t>
-            </a:r>
+              <a:t>Simulate Based on Nassau County, </a:t>
+            </a:r>
+            <a:r>
+              <a:rPr lang="en-US" sz="2800" dirty="0" smtClean="0"/>
+              <a:t>NY</a:t>
+            </a:r>
+          </a:p>
+          <a:p>
+            <a:pPr>
+              <a:buNone/>
+            </a:pPr>
             <a:endParaRPr lang="en-US" sz="2800" dirty="0"/>
           </a:p>
         </p:txBody>
@@ -4865,6 +5005,37 @@
           <a:bodyPr/>
           <a:lstStyle/>
           <a:p>
+            <a:r>
+              <a:rPr lang="en-US" dirty="0" smtClean="0"/>
+              <a:t>NY data where possible</a:t>
+            </a:r>
+            <a:endParaRPr lang="en-US" dirty="0" smtClean="0"/>
+          </a:p>
+          <a:p>
+            <a:r>
+              <a:rPr lang="en-US" dirty="0" smtClean="0"/>
+              <a:t>Peak sunlight only</a:t>
+            </a:r>
+          </a:p>
+          <a:p>
+            <a:r>
+              <a:rPr lang="en-US" dirty="0" smtClean="0"/>
+              <a:t>No net metering</a:t>
+            </a:r>
+          </a:p>
+          <a:p>
+            <a:r>
+              <a:rPr lang="en-US" dirty="0" smtClean="0"/>
+              <a:t>No battery for storage</a:t>
+            </a:r>
+          </a:p>
+          <a:p>
+            <a:r>
+              <a:rPr lang="en-US" dirty="0" smtClean="0"/>
+              <a:t>Electricity usage as a daily average for a household</a:t>
+            </a:r>
+          </a:p>
+          <a:p>
             <a:endParaRPr lang="en-US" dirty="0"/>
           </a:p>
         </p:txBody>
@@ -4941,8 +5112,20 @@
             <a:pPr lvl="1"/>
             <a:r>
               <a:rPr lang="en-US" dirty="0" smtClean="0"/>
-              <a:t>Solar power Generation</a:t>
-            </a:r>
+              <a:t>Solar power </a:t>
+            </a:r>
+            <a:r>
+              <a:rPr lang="en-US" dirty="0" smtClean="0"/>
+              <a:t>Generation</a:t>
+            </a:r>
+          </a:p>
+          <a:p>
+            <a:pPr lvl="2"/>
+            <a:r>
+              <a:rPr lang="en-US" dirty="0" smtClean="0"/>
+              <a:t>New York sunlight amounts</a:t>
+            </a:r>
+            <a:endParaRPr lang="en-US" dirty="0" smtClean="0"/>
           </a:p>
           <a:p>
             <a:pPr lvl="2"/>
@@ -4952,7 +5135,25 @@
             <a:pPr lvl="1"/>
             <a:r>
               <a:rPr lang="en-US" dirty="0" smtClean="0"/>
-              <a:t>Electricity Consumption</a:t>
+              <a:t>Electricity </a:t>
+            </a:r>
+            <a:r>
+              <a:rPr lang="en-US" dirty="0" smtClean="0"/>
+              <a:t>Consumption</a:t>
+            </a:r>
+          </a:p>
+          <a:p>
+            <a:pPr lvl="2"/>
+            <a:r>
+              <a:rPr lang="en-US" dirty="0" smtClean="0"/>
+              <a:t>Average NY household usage</a:t>
+            </a:r>
+          </a:p>
+          <a:p>
+            <a:pPr lvl="2"/>
+            <a:r>
+              <a:rPr lang="en-US" dirty="0" smtClean="0"/>
+              <a:t>New York electricity prices</a:t>
             </a:r>
             <a:endParaRPr lang="en-US" dirty="0"/>
           </a:p>

--- a/DATA604_Final/DATA604_Final_Presentation.pptx
+++ b/DATA604_Final/DATA604_Final_Presentation.pptx
@@ -5,24 +5,30 @@
     <p:sldMasterId id="2147483648" r:id="rId1"/>
   </p:sldMasterIdLst>
   <p:notesMasterIdLst>
-    <p:notesMasterId r:id="rId14"/>
+    <p:notesMasterId r:id="rId20"/>
   </p:notesMasterIdLst>
   <p:handoutMasterIdLst>
-    <p:handoutMasterId r:id="rId15"/>
+    <p:handoutMasterId r:id="rId21"/>
   </p:handoutMasterIdLst>
   <p:sldIdLst>
     <p:sldId id="256" r:id="rId2"/>
     <p:sldId id="270" r:id="rId3"/>
-    <p:sldId id="267" r:id="rId4"/>
-    <p:sldId id="272" r:id="rId5"/>
-    <p:sldId id="271" r:id="rId6"/>
-    <p:sldId id="266" r:id="rId7"/>
-    <p:sldId id="268" r:id="rId8"/>
-    <p:sldId id="273" r:id="rId9"/>
-    <p:sldId id="265" r:id="rId10"/>
-    <p:sldId id="264" r:id="rId11"/>
-    <p:sldId id="269" r:id="rId12"/>
-    <p:sldId id="274" r:id="rId13"/>
+    <p:sldId id="276" r:id="rId4"/>
+    <p:sldId id="267" r:id="rId5"/>
+    <p:sldId id="272" r:id="rId6"/>
+    <p:sldId id="271" r:id="rId7"/>
+    <p:sldId id="266" r:id="rId8"/>
+    <p:sldId id="277" r:id="rId9"/>
+    <p:sldId id="268" r:id="rId10"/>
+    <p:sldId id="273" r:id="rId11"/>
+    <p:sldId id="265" r:id="rId12"/>
+    <p:sldId id="279" r:id="rId13"/>
+    <p:sldId id="280" r:id="rId14"/>
+    <p:sldId id="281" r:id="rId15"/>
+    <p:sldId id="278" r:id="rId16"/>
+    <p:sldId id="264" r:id="rId17"/>
+    <p:sldId id="269" r:id="rId18"/>
+    <p:sldId id="274" r:id="rId19"/>
   </p:sldIdLst>
   <p:sldSz cx="9144000" cy="6858000" type="screen4x3"/>
   <p:notesSz cx="6858000" cy="9296400"/>
@@ -121,6 +127,52 @@
       </a:defRPr>
     </a:lvl9pPr>
   </p:defaultTextStyle>
+  <p:extLst>
+    <p:ext uri="{521415D9-36F7-43E2-AB2F-B90AF26B5E84}">
+      <p14:sectionLst xmlns:p14="http://schemas.microsoft.com/office/powerpoint/2010/main">
+        <p14:section name="Default Section" id="{7D81BD11-07B4-48BB-8217-FEF9CA75AB3A}">
+          <p14:sldIdLst>
+            <p14:sldId id="256"/>
+            <p14:sldId id="270"/>
+          </p14:sldIdLst>
+        </p14:section>
+        <p14:section name="Untitled Section" id="{E5CCF18B-0D1D-4F07-B80A-79E4BB960DCE}">
+          <p14:sldIdLst>
+            <p14:sldId id="276"/>
+            <p14:sldId id="267"/>
+            <p14:sldId id="272"/>
+            <p14:sldId id="271"/>
+            <p14:sldId id="266"/>
+            <p14:sldId id="277"/>
+            <p14:sldId id="268"/>
+            <p14:sldId id="273"/>
+            <p14:sldId id="265"/>
+            <p14:sldId id="279"/>
+            <p14:sldId id="280"/>
+            <p14:sldId id="281"/>
+            <p14:sldId id="278"/>
+            <p14:sldId id="264"/>
+            <p14:sldId id="269"/>
+            <p14:sldId id="274"/>
+          </p14:sldIdLst>
+        </p14:section>
+      </p14:sectionLst>
+    </p:ext>
+    <p:ext uri="{EFAFB233-063F-42B5-8137-9DF3F51BA10A}">
+      <p15:sldGuideLst xmlns:p15="http://schemas.microsoft.com/office/powerpoint/2012/main">
+        <p15:guide id="1" orient="horz" pos="2160">
+          <p15:clr>
+            <a:srgbClr val="A4A3A4"/>
+          </p15:clr>
+        </p15:guide>
+        <p15:guide id="2" pos="2880">
+          <p15:clr>
+            <a:srgbClr val="A4A3A4"/>
+          </p15:clr>
+        </p15:guide>
+      </p15:sldGuideLst>
+    </p:ext>
+  </p:extLst>
 </p:presentation>
 </file>
 
@@ -435,38 +487,37 @@
           <a:p>
             <a:pPr lvl="0"/>
             <a:r>
-              <a:rPr lang="en-US" smtClean="0"/>
+              <a:rPr lang="en-US"/>
               <a:t>Click to edit Master text styles</a:t>
             </a:r>
           </a:p>
           <a:p>
             <a:pPr lvl="1"/>
             <a:r>
-              <a:rPr lang="en-US" smtClean="0"/>
+              <a:rPr lang="en-US"/>
               <a:t>Second level</a:t>
             </a:r>
           </a:p>
           <a:p>
             <a:pPr lvl="2"/>
             <a:r>
-              <a:rPr lang="en-US" smtClean="0"/>
+              <a:rPr lang="en-US"/>
               <a:t>Third level</a:t>
             </a:r>
           </a:p>
           <a:p>
             <a:pPr lvl="3"/>
             <a:r>
-              <a:rPr lang="en-US" smtClean="0"/>
+              <a:rPr lang="en-US"/>
               <a:t>Fourth level</a:t>
             </a:r>
           </a:p>
           <a:p>
             <a:pPr lvl="4"/>
             <a:r>
-              <a:rPr lang="en-US" smtClean="0"/>
+              <a:rPr lang="en-US"/>
               <a:t>Fifth level</a:t>
             </a:r>
-            <a:endParaRPr lang="en-US"/>
           </a:p>
         </p:txBody>
       </p:sp>
@@ -676,6 +727,91 @@
         </p:nvSpPr>
         <p:spPr/>
         <p:txBody>
+          <a:bodyPr/>
+          <a:lstStyle/>
+          <a:p>
+            <a:endParaRPr lang="en-US" dirty="0"/>
+          </a:p>
+        </p:txBody>
+      </p:sp>
+      <p:sp>
+        <p:nvSpPr>
+          <p:cNvPr id="4" name="Slide Number Placeholder 3"/>
+          <p:cNvSpPr>
+            <a:spLocks noGrp="1"/>
+          </p:cNvSpPr>
+          <p:nvPr>
+            <p:ph type="sldNum" sz="quarter" idx="10"/>
+          </p:nvPr>
+        </p:nvSpPr>
+        <p:spPr/>
+        <p:txBody>
+          <a:bodyPr/>
+          <a:lstStyle/>
+          <a:p>
+            <a:fld id="{E6CD37FD-8CFF-4454-824C-85B303ECF787}" type="slidenum">
+              <a:rPr lang="en-US" smtClean="0"/>
+              <a:pPr/>
+              <a:t>2</a:t>
+            </a:fld>
+            <a:endParaRPr lang="en-US"/>
+          </a:p>
+        </p:txBody>
+      </p:sp>
+    </p:spTree>
+    <p:extLst>
+      <p:ext uri="{BB962C8B-B14F-4D97-AF65-F5344CB8AC3E}">
+        <p14:creationId xmlns:p14="http://schemas.microsoft.com/office/powerpoint/2010/main" val="180152645"/>
+      </p:ext>
+    </p:extLst>
+  </p:cSld>
+  <p:clrMapOvr>
+    <a:masterClrMapping/>
+  </p:clrMapOvr>
+</p:notes>
+</file>
+
+<file path=ppt/notesSlides/notesSlide2.xml><?xml version="1.0" encoding="utf-8"?>
+<p:notes xmlns:a="http://schemas.openxmlformats.org/drawingml/2006/main" xmlns:r="http://schemas.openxmlformats.org/officeDocument/2006/relationships" xmlns:p="http://schemas.openxmlformats.org/presentationml/2006/main">
+  <p:cSld>
+    <p:spTree>
+      <p:nvGrpSpPr>
+        <p:cNvPr id="1" name=""/>
+        <p:cNvGrpSpPr/>
+        <p:nvPr/>
+      </p:nvGrpSpPr>
+      <p:grpSpPr>
+        <a:xfrm>
+          <a:off x="0" y="0"/>
+          <a:ext cx="0" cy="0"/>
+          <a:chOff x="0" y="0"/>
+          <a:chExt cx="0" cy="0"/>
+        </a:xfrm>
+      </p:grpSpPr>
+      <p:sp>
+        <p:nvSpPr>
+          <p:cNvPr id="2" name="Slide Image Placeholder 1"/>
+          <p:cNvSpPr>
+            <a:spLocks noGrp="1" noRot="1" noChangeAspect="1"/>
+          </p:cNvSpPr>
+          <p:nvPr>
+            <p:ph type="sldImg"/>
+          </p:nvPr>
+        </p:nvSpPr>
+        <p:spPr/>
+      </p:sp>
+      <p:sp>
+        <p:nvSpPr>
+          <p:cNvPr id="3" name="Notes Placeholder 2"/>
+          <p:cNvSpPr>
+            <a:spLocks noGrp="1"/>
+          </p:cNvSpPr>
+          <p:nvPr>
+            <p:ph type="body" idx="1"/>
+          </p:nvPr>
+        </p:nvSpPr>
+        <p:spPr/>
+        <p:txBody>
           <a:bodyPr>
             <a:normAutofit/>
           </a:bodyPr>
@@ -704,6 +840,93 @@
               <a:rPr lang="en-US" smtClean="0"/>
               <a:pPr/>
               <a:t>3</a:t>
+            </a:fld>
+            <a:endParaRPr lang="en-US"/>
+          </a:p>
+        </p:txBody>
+      </p:sp>
+    </p:spTree>
+    <p:extLst>
+      <p:ext uri="{BB962C8B-B14F-4D97-AF65-F5344CB8AC3E}">
+        <p14:creationId xmlns:p14="http://schemas.microsoft.com/office/powerpoint/2010/main" val="4174662929"/>
+      </p:ext>
+    </p:extLst>
+  </p:cSld>
+  <p:clrMapOvr>
+    <a:masterClrMapping/>
+  </p:clrMapOvr>
+</p:notes>
+</file>
+
+<file path=ppt/notesSlides/notesSlide3.xml><?xml version="1.0" encoding="utf-8"?>
+<p:notes xmlns:a="http://schemas.openxmlformats.org/drawingml/2006/main" xmlns:r="http://schemas.openxmlformats.org/officeDocument/2006/relationships" xmlns:p="http://schemas.openxmlformats.org/presentationml/2006/main">
+  <p:cSld>
+    <p:spTree>
+      <p:nvGrpSpPr>
+        <p:cNvPr id="1" name=""/>
+        <p:cNvGrpSpPr/>
+        <p:nvPr/>
+      </p:nvGrpSpPr>
+      <p:grpSpPr>
+        <a:xfrm>
+          <a:off x="0" y="0"/>
+          <a:ext cx="0" cy="0"/>
+          <a:chOff x="0" y="0"/>
+          <a:chExt cx="0" cy="0"/>
+        </a:xfrm>
+      </p:grpSpPr>
+      <p:sp>
+        <p:nvSpPr>
+          <p:cNvPr id="2" name="Slide Image Placeholder 1"/>
+          <p:cNvSpPr>
+            <a:spLocks noGrp="1" noRot="1" noChangeAspect="1"/>
+          </p:cNvSpPr>
+          <p:nvPr>
+            <p:ph type="sldImg"/>
+          </p:nvPr>
+        </p:nvSpPr>
+        <p:spPr/>
+      </p:sp>
+      <p:sp>
+        <p:nvSpPr>
+          <p:cNvPr id="3" name="Notes Placeholder 2"/>
+          <p:cNvSpPr>
+            <a:spLocks noGrp="1"/>
+          </p:cNvSpPr>
+          <p:nvPr>
+            <p:ph type="body" idx="1"/>
+          </p:nvPr>
+        </p:nvSpPr>
+        <p:spPr/>
+        <p:txBody>
+          <a:bodyPr>
+            <a:normAutofit/>
+          </a:bodyPr>
+          <a:lstStyle/>
+          <a:p>
+            <a:endParaRPr lang="en-US" dirty="0"/>
+          </a:p>
+        </p:txBody>
+      </p:sp>
+      <p:sp>
+        <p:nvSpPr>
+          <p:cNvPr id="4" name="Slide Number Placeholder 3"/>
+          <p:cNvSpPr>
+            <a:spLocks noGrp="1"/>
+          </p:cNvSpPr>
+          <p:nvPr>
+            <p:ph type="sldNum" sz="quarter" idx="10"/>
+          </p:nvPr>
+        </p:nvSpPr>
+        <p:spPr/>
+        <p:txBody>
+          <a:bodyPr/>
+          <a:lstStyle/>
+          <a:p>
+            <a:fld id="{E6CD37FD-8CFF-4454-824C-85B303ECF787}" type="slidenum">
+              <a:rPr lang="en-US" smtClean="0"/>
+              <a:pPr/>
+              <a:t>4</a:t>
             </a:fld>
             <a:endParaRPr lang="en-US"/>
           </a:p>
@@ -755,10 +978,9 @@
           <a:lstStyle/>
           <a:p>
             <a:r>
-              <a:rPr lang="en-US" smtClean="0"/>
+              <a:rPr lang="en-US"/>
               <a:t>Click to edit Master title style</a:t>
             </a:r>
-            <a:endParaRPr lang="en-US"/>
           </a:p>
         </p:txBody>
       </p:sp>
@@ -874,10 +1096,9 @@
           </a:lstStyle>
           <a:p>
             <a:r>
-              <a:rPr lang="en-US" smtClean="0"/>
+              <a:rPr lang="en-US"/>
               <a:t>Click to edit Master subtitle style</a:t>
             </a:r>
-            <a:endParaRPr lang="en-US"/>
           </a:p>
         </p:txBody>
       </p:sp>
@@ -951,7 +1172,7 @@
     </p:spTree>
     <p:extLst>
       <p:ext uri="{BB962C8B-B14F-4D97-AF65-F5344CB8AC3E}">
-        <p14:creationId xmlns="" xmlns:p14="http://schemas.microsoft.com/office/powerpoint/2010/main" val="209635610"/>
+        <p14:creationId xmlns:p14="http://schemas.microsoft.com/office/powerpoint/2010/main" val="209635610"/>
       </p:ext>
     </p:extLst>
   </p:cSld>
@@ -994,10 +1215,9 @@
           <a:lstStyle/>
           <a:p>
             <a:r>
-              <a:rPr lang="en-US" smtClean="0"/>
+              <a:rPr lang="en-US"/>
               <a:t>Click to edit Master title style</a:t>
             </a:r>
-            <a:endParaRPr lang="en-US"/>
           </a:p>
         </p:txBody>
       </p:sp>
@@ -1018,38 +1238,37 @@
           <a:p>
             <a:pPr lvl="0"/>
             <a:r>
-              <a:rPr lang="en-US" smtClean="0"/>
+              <a:rPr lang="en-US"/>
               <a:t>Click to edit Master text styles</a:t>
             </a:r>
           </a:p>
           <a:p>
             <a:pPr lvl="1"/>
             <a:r>
-              <a:rPr lang="en-US" smtClean="0"/>
+              <a:rPr lang="en-US"/>
               <a:t>Second level</a:t>
             </a:r>
           </a:p>
           <a:p>
             <a:pPr lvl="2"/>
             <a:r>
-              <a:rPr lang="en-US" smtClean="0"/>
+              <a:rPr lang="en-US"/>
               <a:t>Third level</a:t>
             </a:r>
           </a:p>
           <a:p>
             <a:pPr lvl="3"/>
             <a:r>
-              <a:rPr lang="en-US" smtClean="0"/>
+              <a:rPr lang="en-US"/>
               <a:t>Fourth level</a:t>
             </a:r>
           </a:p>
           <a:p>
             <a:pPr lvl="4"/>
             <a:r>
-              <a:rPr lang="en-US" smtClean="0"/>
+              <a:rPr lang="en-US"/>
               <a:t>Fifth level</a:t>
             </a:r>
-            <a:endParaRPr lang="en-US"/>
           </a:p>
         </p:txBody>
       </p:sp>
@@ -1123,7 +1342,7 @@
     </p:spTree>
     <p:extLst>
       <p:ext uri="{BB962C8B-B14F-4D97-AF65-F5344CB8AC3E}">
-        <p14:creationId xmlns="" xmlns:p14="http://schemas.microsoft.com/office/powerpoint/2010/main" val="3418171736"/>
+        <p14:creationId xmlns:p14="http://schemas.microsoft.com/office/powerpoint/2010/main" val="3418171736"/>
       </p:ext>
     </p:extLst>
   </p:cSld>
@@ -1171,10 +1390,9 @@
           <a:lstStyle/>
           <a:p>
             <a:r>
-              <a:rPr lang="en-US" smtClean="0"/>
+              <a:rPr lang="en-US"/>
               <a:t>Click to edit Master title style</a:t>
             </a:r>
-            <a:endParaRPr lang="en-US"/>
           </a:p>
         </p:txBody>
       </p:sp>
@@ -1200,38 +1418,37 @@
           <a:p>
             <a:pPr lvl="0"/>
             <a:r>
-              <a:rPr lang="en-US" smtClean="0"/>
+              <a:rPr lang="en-US"/>
               <a:t>Click to edit Master text styles</a:t>
             </a:r>
           </a:p>
           <a:p>
             <a:pPr lvl="1"/>
             <a:r>
-              <a:rPr lang="en-US" smtClean="0"/>
+              <a:rPr lang="en-US"/>
               <a:t>Second level</a:t>
             </a:r>
           </a:p>
           <a:p>
             <a:pPr lvl="2"/>
             <a:r>
-              <a:rPr lang="en-US" smtClean="0"/>
+              <a:rPr lang="en-US"/>
               <a:t>Third level</a:t>
             </a:r>
           </a:p>
           <a:p>
             <a:pPr lvl="3"/>
             <a:r>
-              <a:rPr lang="en-US" smtClean="0"/>
+              <a:rPr lang="en-US"/>
               <a:t>Fourth level</a:t>
             </a:r>
           </a:p>
           <a:p>
             <a:pPr lvl="4"/>
             <a:r>
-              <a:rPr lang="en-US" smtClean="0"/>
+              <a:rPr lang="en-US"/>
               <a:t>Fifth level</a:t>
             </a:r>
-            <a:endParaRPr lang="en-US"/>
           </a:p>
         </p:txBody>
       </p:sp>
@@ -1305,7 +1522,7 @@
     </p:spTree>
     <p:extLst>
       <p:ext uri="{BB962C8B-B14F-4D97-AF65-F5344CB8AC3E}">
-        <p14:creationId xmlns="" xmlns:p14="http://schemas.microsoft.com/office/powerpoint/2010/main" val="867631473"/>
+        <p14:creationId xmlns:p14="http://schemas.microsoft.com/office/powerpoint/2010/main" val="867631473"/>
       </p:ext>
     </p:extLst>
   </p:cSld>
@@ -1348,10 +1565,9 @@
           <a:lstStyle/>
           <a:p>
             <a:r>
-              <a:rPr lang="en-US" smtClean="0"/>
+              <a:rPr lang="en-US"/>
               <a:t>Click to edit Master title style</a:t>
             </a:r>
-            <a:endParaRPr lang="en-US"/>
           </a:p>
         </p:txBody>
       </p:sp>
@@ -1372,38 +1588,37 @@
           <a:p>
             <a:pPr lvl="0"/>
             <a:r>
-              <a:rPr lang="en-US" smtClean="0"/>
+              <a:rPr lang="en-US"/>
               <a:t>Click to edit Master text styles</a:t>
             </a:r>
           </a:p>
           <a:p>
             <a:pPr lvl="1"/>
             <a:r>
-              <a:rPr lang="en-US" smtClean="0"/>
+              <a:rPr lang="en-US"/>
               <a:t>Second level</a:t>
             </a:r>
           </a:p>
           <a:p>
             <a:pPr lvl="2"/>
             <a:r>
-              <a:rPr lang="en-US" smtClean="0"/>
+              <a:rPr lang="en-US"/>
               <a:t>Third level</a:t>
             </a:r>
           </a:p>
           <a:p>
             <a:pPr lvl="3"/>
             <a:r>
-              <a:rPr lang="en-US" smtClean="0"/>
+              <a:rPr lang="en-US"/>
               <a:t>Fourth level</a:t>
             </a:r>
           </a:p>
           <a:p>
             <a:pPr lvl="4"/>
             <a:r>
-              <a:rPr lang="en-US" smtClean="0"/>
+              <a:rPr lang="en-US"/>
               <a:t>Fifth level</a:t>
             </a:r>
-            <a:endParaRPr lang="en-US"/>
           </a:p>
         </p:txBody>
       </p:sp>
@@ -1477,7 +1692,7 @@
     </p:spTree>
     <p:extLst>
       <p:ext uri="{BB962C8B-B14F-4D97-AF65-F5344CB8AC3E}">
-        <p14:creationId xmlns="" xmlns:p14="http://schemas.microsoft.com/office/powerpoint/2010/main" val="1948375686"/>
+        <p14:creationId xmlns:p14="http://schemas.microsoft.com/office/powerpoint/2010/main" val="1948375686"/>
       </p:ext>
     </p:extLst>
   </p:cSld>
@@ -1529,10 +1744,9 @@
           </a:lstStyle>
           <a:p>
             <a:r>
-              <a:rPr lang="en-US" smtClean="0"/>
+              <a:rPr lang="en-US"/>
               <a:t>Click to edit Master title style</a:t>
             </a:r>
-            <a:endParaRPr lang="en-US"/>
           </a:p>
         </p:txBody>
       </p:sp>
@@ -1649,7 +1863,7 @@
           <a:p>
             <a:pPr lvl="0"/>
             <a:r>
-              <a:rPr lang="en-US" smtClean="0"/>
+              <a:rPr lang="en-US"/>
               <a:t>Click to edit Master text styles</a:t>
             </a:r>
           </a:p>
@@ -1725,7 +1939,7 @@
     </p:spTree>
     <p:extLst>
       <p:ext uri="{BB962C8B-B14F-4D97-AF65-F5344CB8AC3E}">
-        <p14:creationId xmlns="" xmlns:p14="http://schemas.microsoft.com/office/powerpoint/2010/main" val="1903787647"/>
+        <p14:creationId xmlns:p14="http://schemas.microsoft.com/office/powerpoint/2010/main" val="1903787647"/>
       </p:ext>
     </p:extLst>
   </p:cSld>
@@ -1768,10 +1982,9 @@
           <a:lstStyle/>
           <a:p>
             <a:r>
-              <a:rPr lang="en-US" smtClean="0"/>
+              <a:rPr lang="en-US"/>
               <a:t>Click to edit Master title style</a:t>
             </a:r>
-            <a:endParaRPr lang="en-US"/>
           </a:p>
         </p:txBody>
       </p:sp>
@@ -1825,38 +2038,37 @@
           <a:p>
             <a:pPr lvl="0"/>
             <a:r>
-              <a:rPr lang="en-US" smtClean="0"/>
+              <a:rPr lang="en-US"/>
               <a:t>Click to edit Master text styles</a:t>
             </a:r>
           </a:p>
           <a:p>
             <a:pPr lvl="1"/>
             <a:r>
-              <a:rPr lang="en-US" smtClean="0"/>
+              <a:rPr lang="en-US"/>
               <a:t>Second level</a:t>
             </a:r>
           </a:p>
           <a:p>
             <a:pPr lvl="2"/>
             <a:r>
-              <a:rPr lang="en-US" smtClean="0"/>
+              <a:rPr lang="en-US"/>
               <a:t>Third level</a:t>
             </a:r>
           </a:p>
           <a:p>
             <a:pPr lvl="3"/>
             <a:r>
-              <a:rPr lang="en-US" smtClean="0"/>
+              <a:rPr lang="en-US"/>
               <a:t>Fourth level</a:t>
             </a:r>
           </a:p>
           <a:p>
             <a:pPr lvl="4"/>
             <a:r>
-              <a:rPr lang="en-US" smtClean="0"/>
+              <a:rPr lang="en-US"/>
               <a:t>Fifth level</a:t>
             </a:r>
-            <a:endParaRPr lang="en-US"/>
           </a:p>
         </p:txBody>
       </p:sp>
@@ -1910,38 +2122,37 @@
           <a:p>
             <a:pPr lvl="0"/>
             <a:r>
-              <a:rPr lang="en-US" smtClean="0"/>
+              <a:rPr lang="en-US"/>
               <a:t>Click to edit Master text styles</a:t>
             </a:r>
           </a:p>
           <a:p>
             <a:pPr lvl="1"/>
             <a:r>
-              <a:rPr lang="en-US" smtClean="0"/>
+              <a:rPr lang="en-US"/>
               <a:t>Second level</a:t>
             </a:r>
           </a:p>
           <a:p>
             <a:pPr lvl="2"/>
             <a:r>
-              <a:rPr lang="en-US" smtClean="0"/>
+              <a:rPr lang="en-US"/>
               <a:t>Third level</a:t>
             </a:r>
           </a:p>
           <a:p>
             <a:pPr lvl="3"/>
             <a:r>
-              <a:rPr lang="en-US" smtClean="0"/>
+              <a:rPr lang="en-US"/>
               <a:t>Fourth level</a:t>
             </a:r>
           </a:p>
           <a:p>
             <a:pPr lvl="4"/>
             <a:r>
-              <a:rPr lang="en-US" smtClean="0"/>
+              <a:rPr lang="en-US"/>
               <a:t>Fifth level</a:t>
             </a:r>
-            <a:endParaRPr lang="en-US"/>
           </a:p>
         </p:txBody>
       </p:sp>
@@ -2015,7 +2226,7 @@
     </p:spTree>
     <p:extLst>
       <p:ext uri="{BB962C8B-B14F-4D97-AF65-F5344CB8AC3E}">
-        <p14:creationId xmlns="" xmlns:p14="http://schemas.microsoft.com/office/powerpoint/2010/main" val="1035553531"/>
+        <p14:creationId xmlns:p14="http://schemas.microsoft.com/office/powerpoint/2010/main" val="1035553531"/>
       </p:ext>
     </p:extLst>
   </p:cSld>
@@ -2062,10 +2273,9 @@
           </a:lstStyle>
           <a:p>
             <a:r>
-              <a:rPr lang="en-US" smtClean="0"/>
+              <a:rPr lang="en-US"/>
               <a:t>Click to edit Master title style</a:t>
             </a:r>
-            <a:endParaRPr lang="en-US"/>
           </a:p>
         </p:txBody>
       </p:sp>
@@ -2128,7 +2338,7 @@
           <a:p>
             <a:pPr lvl="0"/>
             <a:r>
-              <a:rPr lang="en-US" smtClean="0"/>
+              <a:rPr lang="en-US"/>
               <a:t>Click to edit Master text styles</a:t>
             </a:r>
           </a:p>
@@ -2184,38 +2394,37 @@
           <a:p>
             <a:pPr lvl="0"/>
             <a:r>
-              <a:rPr lang="en-US" smtClean="0"/>
+              <a:rPr lang="en-US"/>
               <a:t>Click to edit Master text styles</a:t>
             </a:r>
           </a:p>
           <a:p>
             <a:pPr lvl="1"/>
             <a:r>
-              <a:rPr lang="en-US" smtClean="0"/>
+              <a:rPr lang="en-US"/>
               <a:t>Second level</a:t>
             </a:r>
           </a:p>
           <a:p>
             <a:pPr lvl="2"/>
             <a:r>
-              <a:rPr lang="en-US" smtClean="0"/>
+              <a:rPr lang="en-US"/>
               <a:t>Third level</a:t>
             </a:r>
           </a:p>
           <a:p>
             <a:pPr lvl="3"/>
             <a:r>
-              <a:rPr lang="en-US" smtClean="0"/>
+              <a:rPr lang="en-US"/>
               <a:t>Fourth level</a:t>
             </a:r>
           </a:p>
           <a:p>
             <a:pPr lvl="4"/>
             <a:r>
-              <a:rPr lang="en-US" smtClean="0"/>
+              <a:rPr lang="en-US"/>
               <a:t>Fifth level</a:t>
             </a:r>
-            <a:endParaRPr lang="en-US"/>
           </a:p>
         </p:txBody>
       </p:sp>
@@ -2278,7 +2487,7 @@
           <a:p>
             <a:pPr lvl="0"/>
             <a:r>
-              <a:rPr lang="en-US" smtClean="0"/>
+              <a:rPr lang="en-US"/>
               <a:t>Click to edit Master text styles</a:t>
             </a:r>
           </a:p>
@@ -2334,38 +2543,37 @@
           <a:p>
             <a:pPr lvl="0"/>
             <a:r>
-              <a:rPr lang="en-US" smtClean="0"/>
+              <a:rPr lang="en-US"/>
               <a:t>Click to edit Master text styles</a:t>
             </a:r>
           </a:p>
           <a:p>
             <a:pPr lvl="1"/>
             <a:r>
-              <a:rPr lang="en-US" smtClean="0"/>
+              <a:rPr lang="en-US"/>
               <a:t>Second level</a:t>
             </a:r>
           </a:p>
           <a:p>
             <a:pPr lvl="2"/>
             <a:r>
-              <a:rPr lang="en-US" smtClean="0"/>
+              <a:rPr lang="en-US"/>
               <a:t>Third level</a:t>
             </a:r>
           </a:p>
           <a:p>
             <a:pPr lvl="3"/>
             <a:r>
-              <a:rPr lang="en-US" smtClean="0"/>
+              <a:rPr lang="en-US"/>
               <a:t>Fourth level</a:t>
             </a:r>
           </a:p>
           <a:p>
             <a:pPr lvl="4"/>
             <a:r>
-              <a:rPr lang="en-US" smtClean="0"/>
+              <a:rPr lang="en-US"/>
               <a:t>Fifth level</a:t>
             </a:r>
-            <a:endParaRPr lang="en-US"/>
           </a:p>
         </p:txBody>
       </p:sp>
@@ -2439,7 +2647,7 @@
     </p:spTree>
     <p:extLst>
       <p:ext uri="{BB962C8B-B14F-4D97-AF65-F5344CB8AC3E}">
-        <p14:creationId xmlns="" xmlns:p14="http://schemas.microsoft.com/office/powerpoint/2010/main" val="453774783"/>
+        <p14:creationId xmlns:p14="http://schemas.microsoft.com/office/powerpoint/2010/main" val="453774783"/>
       </p:ext>
     </p:extLst>
   </p:cSld>
@@ -2482,10 +2690,9 @@
           <a:lstStyle/>
           <a:p>
             <a:r>
-              <a:rPr lang="en-US" smtClean="0"/>
+              <a:rPr lang="en-US"/>
               <a:t>Click to edit Master title style</a:t>
             </a:r>
-            <a:endParaRPr lang="en-US"/>
           </a:p>
         </p:txBody>
       </p:sp>
@@ -2559,7 +2766,7 @@
     </p:spTree>
     <p:extLst>
       <p:ext uri="{BB962C8B-B14F-4D97-AF65-F5344CB8AC3E}">
-        <p14:creationId xmlns="" xmlns:p14="http://schemas.microsoft.com/office/powerpoint/2010/main" val="2001349477"/>
+        <p14:creationId xmlns:p14="http://schemas.microsoft.com/office/powerpoint/2010/main" val="2001349477"/>
       </p:ext>
     </p:extLst>
   </p:cSld>
@@ -2656,7 +2863,7 @@
     </p:spTree>
     <p:extLst>
       <p:ext uri="{BB962C8B-B14F-4D97-AF65-F5344CB8AC3E}">
-        <p14:creationId xmlns="" xmlns:p14="http://schemas.microsoft.com/office/powerpoint/2010/main" val="1820672657"/>
+        <p14:creationId xmlns:p14="http://schemas.microsoft.com/office/powerpoint/2010/main" val="1820672657"/>
       </p:ext>
     </p:extLst>
   </p:cSld>
@@ -2708,10 +2915,9 @@
           </a:lstStyle>
           <a:p>
             <a:r>
-              <a:rPr lang="en-US" smtClean="0"/>
+              <a:rPr lang="en-US"/>
               <a:t>Click to edit Master title style</a:t>
             </a:r>
-            <a:endParaRPr lang="en-US"/>
           </a:p>
         </p:txBody>
       </p:sp>
@@ -2765,38 +2971,37 @@
           <a:p>
             <a:pPr lvl="0"/>
             <a:r>
-              <a:rPr lang="en-US" smtClean="0"/>
+              <a:rPr lang="en-US"/>
               <a:t>Click to edit Master text styles</a:t>
             </a:r>
           </a:p>
           <a:p>
             <a:pPr lvl="1"/>
             <a:r>
-              <a:rPr lang="en-US" smtClean="0"/>
+              <a:rPr lang="en-US"/>
               <a:t>Second level</a:t>
             </a:r>
           </a:p>
           <a:p>
             <a:pPr lvl="2"/>
             <a:r>
-              <a:rPr lang="en-US" smtClean="0"/>
+              <a:rPr lang="en-US"/>
               <a:t>Third level</a:t>
             </a:r>
           </a:p>
           <a:p>
             <a:pPr lvl="3"/>
             <a:r>
-              <a:rPr lang="en-US" smtClean="0"/>
+              <a:rPr lang="en-US"/>
               <a:t>Fourth level</a:t>
             </a:r>
           </a:p>
           <a:p>
             <a:pPr lvl="4"/>
             <a:r>
-              <a:rPr lang="en-US" smtClean="0"/>
+              <a:rPr lang="en-US"/>
               <a:t>Fifth level</a:t>
             </a:r>
-            <a:endParaRPr lang="en-US"/>
           </a:p>
         </p:txBody>
       </p:sp>
@@ -2859,7 +3064,7 @@
           <a:p>
             <a:pPr lvl="0"/>
             <a:r>
-              <a:rPr lang="en-US" smtClean="0"/>
+              <a:rPr lang="en-US"/>
               <a:t>Click to edit Master text styles</a:t>
             </a:r>
           </a:p>
@@ -2935,7 +3140,7 @@
     </p:spTree>
     <p:extLst>
       <p:ext uri="{BB962C8B-B14F-4D97-AF65-F5344CB8AC3E}">
-        <p14:creationId xmlns="" xmlns:p14="http://schemas.microsoft.com/office/powerpoint/2010/main" val="2489790497"/>
+        <p14:creationId xmlns:p14="http://schemas.microsoft.com/office/powerpoint/2010/main" val="2489790497"/>
       </p:ext>
     </p:extLst>
   </p:cSld>
@@ -2987,10 +3192,9 @@
           </a:lstStyle>
           <a:p>
             <a:r>
-              <a:rPr lang="en-US" smtClean="0"/>
+              <a:rPr lang="en-US"/>
               <a:t>Click to edit Master title style</a:t>
             </a:r>
-            <a:endParaRPr lang="en-US"/>
           </a:p>
         </p:txBody>
       </p:sp>
@@ -3114,7 +3318,7 @@
           <a:p>
             <a:pPr lvl="0"/>
             <a:r>
-              <a:rPr lang="en-US" smtClean="0"/>
+              <a:rPr lang="en-US"/>
               <a:t>Click to edit Master text styles</a:t>
             </a:r>
           </a:p>
@@ -3190,7 +3394,7 @@
     </p:spTree>
     <p:extLst>
       <p:ext uri="{BB962C8B-B14F-4D97-AF65-F5344CB8AC3E}">
-        <p14:creationId xmlns="" xmlns:p14="http://schemas.microsoft.com/office/powerpoint/2010/main" val="3952036634"/>
+        <p14:creationId xmlns:p14="http://schemas.microsoft.com/office/powerpoint/2010/main" val="3952036634"/>
       </p:ext>
     </p:extLst>
   </p:cSld>
@@ -3257,10 +3461,9 @@
           <a:lstStyle/>
           <a:p>
             <a:r>
-              <a:rPr lang="en-US" smtClean="0"/>
+              <a:rPr lang="en-US"/>
               <a:t>Click to edit Master title style</a:t>
             </a:r>
-            <a:endParaRPr lang="en-US"/>
           </a:p>
         </p:txBody>
       </p:sp>
@@ -3291,38 +3494,37 @@
           <a:p>
             <a:pPr lvl="0"/>
             <a:r>
-              <a:rPr lang="en-US" smtClean="0"/>
+              <a:rPr lang="en-US"/>
               <a:t>Click to edit Master text styles</a:t>
             </a:r>
           </a:p>
           <a:p>
             <a:pPr lvl="1"/>
             <a:r>
-              <a:rPr lang="en-US" smtClean="0"/>
+              <a:rPr lang="en-US"/>
               <a:t>Second level</a:t>
             </a:r>
           </a:p>
           <a:p>
             <a:pPr lvl="2"/>
             <a:r>
-              <a:rPr lang="en-US" smtClean="0"/>
+              <a:rPr lang="en-US"/>
               <a:t>Third level</a:t>
             </a:r>
           </a:p>
           <a:p>
             <a:pPr lvl="3"/>
             <a:r>
-              <a:rPr lang="en-US" smtClean="0"/>
+              <a:rPr lang="en-US"/>
               <a:t>Fourth level</a:t>
             </a:r>
           </a:p>
           <a:p>
             <a:pPr lvl="4"/>
             <a:r>
-              <a:rPr lang="en-US" smtClean="0"/>
+              <a:rPr lang="en-US"/>
               <a:t>Fifth level</a:t>
             </a:r>
-            <a:endParaRPr lang="en-US"/>
           </a:p>
         </p:txBody>
       </p:sp>
@@ -3450,7 +3652,7 @@
     </p:spTree>
     <p:extLst>
       <p:ext uri="{BB962C8B-B14F-4D97-AF65-F5344CB8AC3E}">
-        <p14:creationId xmlns="" xmlns:p14="http://schemas.microsoft.com/office/powerpoint/2010/main" val="2962468041"/>
+        <p14:creationId xmlns:p14="http://schemas.microsoft.com/office/powerpoint/2010/main" val="2962468041"/>
       </p:ext>
     </p:extLst>
   </p:cSld>
@@ -3781,27 +3983,7 @@
                   </a:schemeClr>
                 </a:solidFill>
               </a:rPr>
-              <a:t>Solar </a:t>
-            </a:r>
-            <a:r>
-              <a:rPr lang="en-US" b="1" dirty="0" smtClean="0">
-                <a:solidFill>
-                  <a:schemeClr val="accent6">
-                    <a:lumMod val="75000"/>
-                  </a:schemeClr>
-                </a:solidFill>
-              </a:rPr>
-              <a:t>PV </a:t>
-            </a:r>
-            <a:r>
-              <a:rPr lang="en-US" b="1" dirty="0">
-                <a:solidFill>
-                  <a:schemeClr val="accent6">
-                    <a:lumMod val="75000"/>
-                  </a:schemeClr>
-                </a:solidFill>
-              </a:rPr>
-              <a:t>System Simulation</a:t>
+              <a:t>Solar PV System Simulation</a:t>
             </a:r>
           </a:p>
         </p:txBody>
@@ -3834,40 +4016,24 @@
                   <a:schemeClr val="tx1"/>
                 </a:solidFill>
               </a:rPr>
-              <a:t>Sreejaya, </a:t>
-            </a:r>
-            <a:r>
-              <a:rPr lang="en-US" dirty="0" smtClean="0">
-                <a:solidFill>
-                  <a:schemeClr val="tx1"/>
-                </a:solidFill>
-              </a:rPr>
-              <a:t>Suman, </a:t>
-            </a:r>
-            <a:r>
-              <a:rPr lang="en-US" dirty="0" err="1" smtClean="0">
+              <a:t>Sreejaya, Suman, </a:t>
+            </a:r>
+            <a:r>
+              <a:rPr lang="en-US" dirty="0" err="1">
                 <a:solidFill>
                   <a:schemeClr val="tx1"/>
                 </a:solidFill>
               </a:rPr>
               <a:t>Vuthy</a:t>
             </a:r>
-            <a:r>
-              <a:rPr lang="en-US" dirty="0" smtClean="0">
-                <a:solidFill>
-                  <a:schemeClr val="tx1"/>
-                </a:solidFill>
-              </a:rPr>
-              <a:t/>
-            </a:r>
             <a:br>
-              <a:rPr lang="en-US" dirty="0" smtClean="0">
+              <a:rPr lang="en-US" dirty="0">
                 <a:solidFill>
                   <a:schemeClr val="tx1"/>
                 </a:solidFill>
               </a:rPr>
             </a:br>
-            <a:endParaRPr lang="en-US" dirty="0" smtClean="0">
+            <a:endParaRPr lang="en-US" dirty="0">
               <a:solidFill>
                 <a:schemeClr val="tx1"/>
               </a:solidFill>
@@ -3875,7 +4041,7 @@
           </a:p>
           <a:p>
             <a:r>
-              <a:rPr lang="en-US" sz="1800" dirty="0" smtClean="0">
+              <a:rPr lang="en-US" sz="1800" dirty="0">
                 <a:solidFill>
                   <a:schemeClr val="tx1"/>
                 </a:solidFill>
@@ -3892,38 +4058,26 @@
           </a:p>
           <a:p>
             <a:r>
-              <a:rPr lang="en-US" sz="2400" dirty="0" smtClean="0">
+              <a:rPr lang="en-US" sz="2400" dirty="0">
                 <a:solidFill>
                   <a:schemeClr val="tx1"/>
                 </a:solidFill>
               </a:rPr>
               <a:t>DATA 604 - Simulation and Modeling Technique</a:t>
             </a:r>
-            <a:endParaRPr lang="en-US" sz="2400" dirty="0">
-              <a:solidFill>
-                <a:schemeClr val="tx1"/>
-              </a:solidFill>
-            </a:endParaRPr>
           </a:p>
         </p:txBody>
       </p:sp>
     </p:spTree>
     <p:extLst>
       <p:ext uri="{BB962C8B-B14F-4D97-AF65-F5344CB8AC3E}">
-        <p14:creationId xmlns="" xmlns:p14="http://schemas.microsoft.com/office/powerpoint/2010/main" val="987628861"/>
+        <p14:creationId xmlns:p14="http://schemas.microsoft.com/office/powerpoint/2010/main" val="987628861"/>
       </p:ext>
     </p:extLst>
   </p:cSld>
   <p:clrMapOvr>
     <a:masterClrMapping/>
   </p:clrMapOvr>
-  <p:timing>
-    <p:tnLst>
-      <p:par>
-        <p:cTn id="1" dur="indefinite" restart="never" nodeType="tmRoot"/>
-      </p:par>
-    </p:tnLst>
-  </p:timing>
 </p:sld>
 </file>
 
@@ -3960,10 +4114,580 @@
           <a:lstStyle/>
           <a:p>
             <a:r>
-              <a:rPr lang="en-US" dirty="0" smtClean="0"/>
+              <a:rPr lang="en-US" dirty="0"/>
+              <a:t>Assumptions</a:t>
+            </a:r>
+          </a:p>
+        </p:txBody>
+      </p:sp>
+      <p:sp>
+        <p:nvSpPr>
+          <p:cNvPr id="3" name="Content Placeholder 2"/>
+          <p:cNvSpPr>
+            <a:spLocks noGrp="1"/>
+          </p:cNvSpPr>
+          <p:nvPr>
+            <p:ph idx="1"/>
+          </p:nvPr>
+        </p:nvSpPr>
+        <p:spPr/>
+        <p:txBody>
+          <a:bodyPr/>
+          <a:lstStyle/>
+          <a:p>
+            <a:r>
+              <a:rPr lang="en-US" dirty="0"/>
+              <a:t>NY data where possible</a:t>
+            </a:r>
+          </a:p>
+          <a:p>
+            <a:r>
+              <a:rPr lang="en-US" dirty="0"/>
+              <a:t>Peak sunlight only</a:t>
+            </a:r>
+          </a:p>
+          <a:p>
+            <a:r>
+              <a:rPr lang="en-US" dirty="0"/>
+              <a:t>No net metering</a:t>
+            </a:r>
+          </a:p>
+          <a:p>
+            <a:r>
+              <a:rPr lang="en-US" dirty="0"/>
+              <a:t>No battery for storage</a:t>
+            </a:r>
+          </a:p>
+          <a:p>
+            <a:r>
+              <a:rPr lang="en-US" dirty="0"/>
+              <a:t>Electricity usage as a daily average for a household</a:t>
+            </a:r>
+          </a:p>
+          <a:p>
+            <a:endParaRPr lang="en-US" dirty="0"/>
+          </a:p>
+        </p:txBody>
+      </p:sp>
+    </p:spTree>
+  </p:cSld>
+  <p:clrMapOvr>
+    <a:masterClrMapping/>
+  </p:clrMapOvr>
+</p:sld>
+</file>
+
+<file path=ppt/slides/slide11.xml><?xml version="1.0" encoding="utf-8"?>
+<p:sld xmlns:a="http://schemas.openxmlformats.org/drawingml/2006/main" xmlns:r="http://schemas.openxmlformats.org/officeDocument/2006/relationships" xmlns:p="http://schemas.openxmlformats.org/presentationml/2006/main">
+  <p:cSld>
+    <p:spTree>
+      <p:nvGrpSpPr>
+        <p:cNvPr id="1" name=""/>
+        <p:cNvGrpSpPr/>
+        <p:nvPr/>
+      </p:nvGrpSpPr>
+      <p:grpSpPr>
+        <a:xfrm>
+          <a:off x="0" y="0"/>
+          <a:ext cx="0" cy="0"/>
+          <a:chOff x="0" y="0"/>
+          <a:chExt cx="0" cy="0"/>
+        </a:xfrm>
+      </p:grpSpPr>
+      <p:sp>
+        <p:nvSpPr>
+          <p:cNvPr id="2" name="Title 1"/>
+          <p:cNvSpPr>
+            <a:spLocks noGrp="1"/>
+          </p:cNvSpPr>
+          <p:nvPr>
+            <p:ph type="title"/>
+          </p:nvPr>
+        </p:nvSpPr>
+        <p:spPr/>
+        <p:txBody>
+          <a:bodyPr/>
+          <a:lstStyle/>
+          <a:p>
+            <a:r>
+              <a:rPr lang="en-US" dirty="0"/>
+              <a:t>Simulation</a:t>
+            </a:r>
+          </a:p>
+        </p:txBody>
+      </p:sp>
+      <p:sp>
+        <p:nvSpPr>
+          <p:cNvPr id="3" name="Content Placeholder 2"/>
+          <p:cNvSpPr>
+            <a:spLocks noGrp="1"/>
+          </p:cNvSpPr>
+          <p:nvPr>
+            <p:ph idx="1"/>
+          </p:nvPr>
+        </p:nvSpPr>
+        <p:spPr/>
+        <p:txBody>
+          <a:bodyPr>
+            <a:normAutofit/>
+          </a:bodyPr>
+          <a:lstStyle/>
+          <a:p>
+            <a:pPr lvl="1"/>
+            <a:r>
+              <a:rPr lang="en-US" dirty="0"/>
+              <a:t>Randomize Solar power Generation</a:t>
+            </a:r>
+          </a:p>
+          <a:p>
+            <a:pPr lvl="2"/>
+            <a:r>
+              <a:rPr lang="en-US" dirty="0"/>
+              <a:t>New York sunlight amounts</a:t>
+            </a:r>
+          </a:p>
+          <a:p>
+            <a:pPr lvl="2"/>
+            <a:endParaRPr lang="en-US" dirty="0"/>
+          </a:p>
+          <a:p>
+            <a:pPr lvl="1"/>
+            <a:r>
+              <a:rPr lang="en-US" dirty="0"/>
+              <a:t>Randomize Electricity Consumption</a:t>
+            </a:r>
+          </a:p>
+          <a:p>
+            <a:pPr lvl="2"/>
+            <a:r>
+              <a:rPr lang="en-US" dirty="0"/>
+              <a:t>Average NY household usage</a:t>
+            </a:r>
+          </a:p>
+          <a:p>
+            <a:pPr lvl="2"/>
+            <a:r>
+              <a:rPr lang="en-US" dirty="0"/>
+              <a:t>New York electricity prices</a:t>
+            </a:r>
+          </a:p>
+          <a:p>
+            <a:pPr marL="914400" lvl="2" indent="0">
+              <a:buNone/>
+            </a:pPr>
+            <a:endParaRPr lang="en-US" dirty="0"/>
+          </a:p>
+          <a:p>
+            <a:pPr lvl="1"/>
+            <a:r>
+              <a:rPr lang="en-US" dirty="0"/>
+              <a:t>1000 replications for each panel size</a:t>
+            </a:r>
+          </a:p>
+        </p:txBody>
+      </p:sp>
+      <p:pic>
+        <p:nvPicPr>
+          <p:cNvPr id="4098" name="Picture 2" descr="F:\Dropbox\MSDA\2016F\DATA621\Github\CT4\DATA621-HW\DATA604_Final\images\Flowchart.png"/>
+          <p:cNvPicPr>
+            <a:picLocks noChangeAspect="1" noChangeArrowheads="1"/>
+          </p:cNvPicPr>
+          <p:nvPr/>
+        </p:nvPicPr>
+        <p:blipFill>
+          <a:blip r:embed="rId2" cstate="print"/>
+          <a:srcRect/>
+          <a:stretch>
+            <a:fillRect/>
+          </a:stretch>
+        </p:blipFill>
+        <p:spPr bwMode="auto">
+          <a:xfrm>
+            <a:off x="6553200" y="152400"/>
+            <a:ext cx="2419350" cy="5995202"/>
+          </a:xfrm>
+          <a:prstGeom prst="rect">
+            <a:avLst/>
+          </a:prstGeom>
+          <a:noFill/>
+        </p:spPr>
+      </p:pic>
+    </p:spTree>
+  </p:cSld>
+  <p:clrMapOvr>
+    <a:masterClrMapping/>
+  </p:clrMapOvr>
+</p:sld>
+</file>
+
+<file path=ppt/slides/slide12.xml><?xml version="1.0" encoding="utf-8"?>
+<p:sld xmlns:a="http://schemas.openxmlformats.org/drawingml/2006/main" xmlns:r="http://schemas.openxmlformats.org/officeDocument/2006/relationships" xmlns:p="http://schemas.openxmlformats.org/presentationml/2006/main">
+  <p:cSld>
+    <p:spTree>
+      <p:nvGrpSpPr>
+        <p:cNvPr id="1" name=""/>
+        <p:cNvGrpSpPr/>
+        <p:nvPr/>
+      </p:nvGrpSpPr>
+      <p:grpSpPr>
+        <a:xfrm>
+          <a:off x="0" y="0"/>
+          <a:ext cx="0" cy="0"/>
+          <a:chOff x="0" y="0"/>
+          <a:chExt cx="0" cy="0"/>
+        </a:xfrm>
+      </p:grpSpPr>
+      <p:sp>
+        <p:nvSpPr>
+          <p:cNvPr id="2" name="Title 1"/>
+          <p:cNvSpPr>
+            <a:spLocks noGrp="1"/>
+          </p:cNvSpPr>
+          <p:nvPr>
+            <p:ph type="title"/>
+          </p:nvPr>
+        </p:nvSpPr>
+        <p:spPr>
+          <a:xfrm>
+            <a:off x="457200" y="230033"/>
+            <a:ext cx="8229600" cy="1143000"/>
+          </a:xfrm>
+        </p:spPr>
+        <p:txBody>
+          <a:bodyPr/>
+          <a:lstStyle/>
+          <a:p>
+            <a:r>
+              <a:rPr lang="en-US" dirty="0"/>
+              <a:t>Simulation</a:t>
+            </a:r>
+          </a:p>
+        </p:txBody>
+      </p:sp>
+      <p:pic>
+        <p:nvPicPr>
+          <p:cNvPr id="4" name="Content Placeholder 3"/>
+          <p:cNvPicPr>
+            <a:picLocks noGrp="1" noChangeAspect="1"/>
+          </p:cNvPicPr>
+          <p:nvPr>
+            <p:ph idx="1"/>
+          </p:nvPr>
+        </p:nvPicPr>
+        <p:blipFill>
+          <a:blip r:embed="rId2"/>
+          <a:stretch>
+            <a:fillRect/>
+          </a:stretch>
+        </p:blipFill>
+        <p:spPr>
+          <a:xfrm>
+            <a:off x="1657350" y="1389760"/>
+            <a:ext cx="5829300" cy="4191000"/>
+          </a:xfrm>
+          <a:prstGeom prst="rect">
+            <a:avLst/>
+          </a:prstGeom>
+        </p:spPr>
+      </p:pic>
+    </p:spTree>
+    <p:extLst>
+      <p:ext uri="{BB962C8B-B14F-4D97-AF65-F5344CB8AC3E}">
+        <p14:creationId xmlns:p14="http://schemas.microsoft.com/office/powerpoint/2010/main" val="4242270355"/>
+      </p:ext>
+    </p:extLst>
+  </p:cSld>
+  <p:clrMapOvr>
+    <a:masterClrMapping/>
+  </p:clrMapOvr>
+</p:sld>
+</file>
+
+<file path=ppt/slides/slide13.xml><?xml version="1.0" encoding="utf-8"?>
+<p:sld xmlns:a="http://schemas.openxmlformats.org/drawingml/2006/main" xmlns:r="http://schemas.openxmlformats.org/officeDocument/2006/relationships" xmlns:p="http://schemas.openxmlformats.org/presentationml/2006/main">
+  <p:cSld>
+    <p:spTree>
+      <p:nvGrpSpPr>
+        <p:cNvPr id="1" name=""/>
+        <p:cNvGrpSpPr/>
+        <p:nvPr/>
+      </p:nvGrpSpPr>
+      <p:grpSpPr>
+        <a:xfrm>
+          <a:off x="0" y="0"/>
+          <a:ext cx="0" cy="0"/>
+          <a:chOff x="0" y="0"/>
+          <a:chExt cx="0" cy="0"/>
+        </a:xfrm>
+      </p:grpSpPr>
+      <p:sp>
+        <p:nvSpPr>
+          <p:cNvPr id="2" name="Title 1"/>
+          <p:cNvSpPr>
+            <a:spLocks noGrp="1"/>
+          </p:cNvSpPr>
+          <p:nvPr>
+            <p:ph type="title"/>
+          </p:nvPr>
+        </p:nvSpPr>
+        <p:spPr>
+          <a:xfrm>
+            <a:off x="457200" y="230033"/>
+            <a:ext cx="8229600" cy="1143000"/>
+          </a:xfrm>
+        </p:spPr>
+        <p:txBody>
+          <a:bodyPr/>
+          <a:lstStyle/>
+          <a:p>
+            <a:r>
+              <a:rPr lang="en-US" dirty="0"/>
+              <a:t>Simulation</a:t>
+            </a:r>
+          </a:p>
+        </p:txBody>
+      </p:sp>
+      <p:pic>
+        <p:nvPicPr>
+          <p:cNvPr id="6" name="Content Placeholder 5"/>
+          <p:cNvPicPr>
+            <a:picLocks noGrp="1" noChangeAspect="1"/>
+          </p:cNvPicPr>
+          <p:nvPr>
+            <p:ph idx="1"/>
+          </p:nvPr>
+        </p:nvPicPr>
+        <p:blipFill>
+          <a:blip r:embed="rId2"/>
+          <a:stretch>
+            <a:fillRect/>
+          </a:stretch>
+        </p:blipFill>
+        <p:spPr>
+          <a:xfrm>
+            <a:off x="1609725" y="1767681"/>
+            <a:ext cx="5924550" cy="4191000"/>
+          </a:xfrm>
+          <a:prstGeom prst="rect">
+            <a:avLst/>
+          </a:prstGeom>
+        </p:spPr>
+      </p:pic>
+    </p:spTree>
+    <p:extLst>
+      <p:ext uri="{BB962C8B-B14F-4D97-AF65-F5344CB8AC3E}">
+        <p14:creationId xmlns:p14="http://schemas.microsoft.com/office/powerpoint/2010/main" val="151734884"/>
+      </p:ext>
+    </p:extLst>
+  </p:cSld>
+  <p:clrMapOvr>
+    <a:masterClrMapping/>
+  </p:clrMapOvr>
+</p:sld>
+</file>
+
+<file path=ppt/slides/slide14.xml><?xml version="1.0" encoding="utf-8"?>
+<p:sld xmlns:a="http://schemas.openxmlformats.org/drawingml/2006/main" xmlns:r="http://schemas.openxmlformats.org/officeDocument/2006/relationships" xmlns:p="http://schemas.openxmlformats.org/presentationml/2006/main">
+  <p:cSld>
+    <p:spTree>
+      <p:nvGrpSpPr>
+        <p:cNvPr id="1" name=""/>
+        <p:cNvGrpSpPr/>
+        <p:nvPr/>
+      </p:nvGrpSpPr>
+      <p:grpSpPr>
+        <a:xfrm>
+          <a:off x="0" y="0"/>
+          <a:ext cx="0" cy="0"/>
+          <a:chOff x="0" y="0"/>
+          <a:chExt cx="0" cy="0"/>
+        </a:xfrm>
+      </p:grpSpPr>
+      <p:sp>
+        <p:nvSpPr>
+          <p:cNvPr id="2" name="Title 1"/>
+          <p:cNvSpPr>
+            <a:spLocks noGrp="1"/>
+          </p:cNvSpPr>
+          <p:nvPr>
+            <p:ph type="title"/>
+          </p:nvPr>
+        </p:nvSpPr>
+        <p:spPr>
+          <a:xfrm>
+            <a:off x="457200" y="230033"/>
+            <a:ext cx="8229600" cy="1143000"/>
+          </a:xfrm>
+        </p:spPr>
+        <p:txBody>
+          <a:bodyPr/>
+          <a:lstStyle/>
+          <a:p>
+            <a:r>
+              <a:rPr lang="en-US" dirty="0"/>
+              <a:t>Simulation</a:t>
+            </a:r>
+          </a:p>
+        </p:txBody>
+      </p:sp>
+      <p:pic>
+        <p:nvPicPr>
+          <p:cNvPr id="5" name="Content Placeholder 4"/>
+          <p:cNvPicPr>
+            <a:picLocks noGrp="1" noChangeAspect="1"/>
+          </p:cNvPicPr>
+          <p:nvPr>
+            <p:ph idx="1"/>
+          </p:nvPr>
+        </p:nvPicPr>
+        <p:blipFill>
+          <a:blip r:embed="rId2"/>
+          <a:stretch>
+            <a:fillRect/>
+          </a:stretch>
+        </p:blipFill>
+        <p:spPr>
+          <a:xfrm>
+            <a:off x="1619250" y="1373033"/>
+            <a:ext cx="5905500" cy="4152900"/>
+          </a:xfrm>
+          <a:prstGeom prst="rect">
+            <a:avLst/>
+          </a:prstGeom>
+        </p:spPr>
+      </p:pic>
+    </p:spTree>
+    <p:extLst>
+      <p:ext uri="{BB962C8B-B14F-4D97-AF65-F5344CB8AC3E}">
+        <p14:creationId xmlns:p14="http://schemas.microsoft.com/office/powerpoint/2010/main" val="3044827219"/>
+      </p:ext>
+    </p:extLst>
+  </p:cSld>
+  <p:clrMapOvr>
+    <a:masterClrMapping/>
+  </p:clrMapOvr>
+</p:sld>
+</file>
+
+<file path=ppt/slides/slide15.xml><?xml version="1.0" encoding="utf-8"?>
+<p:sld xmlns:a="http://schemas.openxmlformats.org/drawingml/2006/main" xmlns:r="http://schemas.openxmlformats.org/officeDocument/2006/relationships" xmlns:p="http://schemas.openxmlformats.org/presentationml/2006/main">
+  <p:cSld>
+    <p:spTree>
+      <p:nvGrpSpPr>
+        <p:cNvPr id="1" name=""/>
+        <p:cNvGrpSpPr/>
+        <p:nvPr/>
+      </p:nvGrpSpPr>
+      <p:grpSpPr>
+        <a:xfrm>
+          <a:off x="0" y="0"/>
+          <a:ext cx="0" cy="0"/>
+          <a:chOff x="0" y="0"/>
+          <a:chExt cx="0" cy="0"/>
+        </a:xfrm>
+      </p:grpSpPr>
+      <p:sp>
+        <p:nvSpPr>
+          <p:cNvPr id="2" name="Title 1"/>
+          <p:cNvSpPr>
+            <a:spLocks noGrp="1"/>
+          </p:cNvSpPr>
+          <p:nvPr>
+            <p:ph type="title"/>
+          </p:nvPr>
+        </p:nvSpPr>
+        <p:spPr>
+          <a:xfrm>
+            <a:off x="457200" y="274638"/>
+            <a:ext cx="8229600" cy="1020762"/>
+          </a:xfrm>
+        </p:spPr>
+        <p:txBody>
+          <a:bodyPr/>
+          <a:lstStyle/>
+          <a:p>
+            <a:r>
+              <a:rPr lang="en-US" dirty="0"/>
+              <a:t>Simio</a:t>
+            </a:r>
+          </a:p>
+        </p:txBody>
+      </p:sp>
+      <p:pic>
+        <p:nvPicPr>
+          <p:cNvPr id="4" name="Content Placeholder 3"/>
+          <p:cNvPicPr>
+            <a:picLocks noGrp="1" noChangeAspect="1"/>
+          </p:cNvPicPr>
+          <p:nvPr>
+            <p:ph idx="1"/>
+          </p:nvPr>
+        </p:nvPicPr>
+        <p:blipFill>
+          <a:blip r:embed="rId2"/>
+          <a:stretch>
+            <a:fillRect/>
+          </a:stretch>
+        </p:blipFill>
+        <p:spPr>
+          <a:xfrm>
+            <a:off x="457200" y="1872847"/>
+            <a:ext cx="8229600" cy="3980668"/>
+          </a:xfrm>
+          <a:prstGeom prst="rect">
+            <a:avLst/>
+          </a:prstGeom>
+        </p:spPr>
+      </p:pic>
+    </p:spTree>
+    <p:extLst>
+      <p:ext uri="{BB962C8B-B14F-4D97-AF65-F5344CB8AC3E}">
+        <p14:creationId xmlns:p14="http://schemas.microsoft.com/office/powerpoint/2010/main" val="2196107880"/>
+      </p:ext>
+    </p:extLst>
+  </p:cSld>
+  <p:clrMapOvr>
+    <a:masterClrMapping/>
+  </p:clrMapOvr>
+</p:sld>
+</file>
+
+<file path=ppt/slides/slide16.xml><?xml version="1.0" encoding="utf-8"?>
+<p:sld xmlns:a="http://schemas.openxmlformats.org/drawingml/2006/main" xmlns:r="http://schemas.openxmlformats.org/officeDocument/2006/relationships" xmlns:p="http://schemas.openxmlformats.org/presentationml/2006/main">
+  <p:cSld>
+    <p:spTree>
+      <p:nvGrpSpPr>
+        <p:cNvPr id="1" name=""/>
+        <p:cNvGrpSpPr/>
+        <p:nvPr/>
+      </p:nvGrpSpPr>
+      <p:grpSpPr>
+        <a:xfrm>
+          <a:off x="0" y="0"/>
+          <a:ext cx="0" cy="0"/>
+          <a:chOff x="0" y="0"/>
+          <a:chExt cx="0" cy="0"/>
+        </a:xfrm>
+      </p:grpSpPr>
+      <p:sp>
+        <p:nvSpPr>
+          <p:cNvPr id="2" name="Title 1"/>
+          <p:cNvSpPr>
+            <a:spLocks noGrp="1"/>
+          </p:cNvSpPr>
+          <p:nvPr>
+            <p:ph type="title"/>
+          </p:nvPr>
+        </p:nvSpPr>
+        <p:spPr/>
+        <p:txBody>
+          <a:bodyPr/>
+          <a:lstStyle/>
+          <a:p>
+            <a:r>
+              <a:rPr lang="en-US" dirty="0"/>
               <a:t>Summary</a:t>
             </a:r>
-            <a:endParaRPr lang="en-US" dirty="0"/>
           </a:p>
         </p:txBody>
       </p:sp>
@@ -3993,10 +4717,9 @@
               <a:buNone/>
             </a:pPr>
             <a:r>
-              <a:rPr lang="en-US" dirty="0" smtClean="0"/>
-              <a:t>For the typical (suburban) New York family, a PV system consisting of 30 panels will be needed to virtually offset monthly/yearly electricity costs.</a:t>
-            </a:r>
-            <a:endParaRPr lang="en-US" dirty="0"/>
+              <a:rPr lang="en-US" dirty="0"/>
+              <a:t>    For the typical (suburban) New York family, a PV system consisting of 30 panels will be needed to virtually offset monthly/yearly electricity costs.</a:t>
+            </a:r>
           </a:p>
         </p:txBody>
       </p:sp>
@@ -4040,7 +4763,7 @@
 </p:sld>
 </file>
 
-<file path=ppt/slides/slide11.xml><?xml version="1.0" encoding="utf-8"?>
+<file path=ppt/slides/slide17.xml><?xml version="1.0" encoding="utf-8"?>
 <p:sld xmlns:a="http://schemas.openxmlformats.org/drawingml/2006/main" xmlns:r="http://schemas.openxmlformats.org/officeDocument/2006/relationships" xmlns:p="http://schemas.openxmlformats.org/presentationml/2006/main">
   <p:cSld>
     <p:spTree>
@@ -4073,61 +4796,79 @@
           <a:lstStyle/>
           <a:p>
             <a:r>
-              <a:rPr lang="en-US" dirty="0" smtClean="0"/>
+              <a:rPr lang="en-US" dirty="0"/>
               <a:t>Future Work</a:t>
             </a:r>
+          </a:p>
+        </p:txBody>
+      </p:sp>
+      <p:sp>
+        <p:nvSpPr>
+          <p:cNvPr id="3" name="Content Placeholder 2"/>
+          <p:cNvSpPr>
+            <a:spLocks noGrp="1"/>
+          </p:cNvSpPr>
+          <p:nvPr>
+            <p:ph idx="1"/>
+          </p:nvPr>
+        </p:nvSpPr>
+        <p:spPr>
+          <a:xfrm>
+            <a:off x="457200" y="1417638"/>
+            <a:ext cx="8229600" cy="4708525"/>
+          </a:xfrm>
+        </p:spPr>
+        <p:txBody>
+          <a:bodyPr>
+            <a:normAutofit fontScale="92500" lnSpcReduction="10000"/>
+          </a:bodyPr>
+          <a:lstStyle/>
+          <a:p>
+            <a:r>
+              <a:rPr lang="en-US" dirty="0"/>
+              <a:t>More granular level for power consumption simulation</a:t>
+            </a:r>
+          </a:p>
+          <a:p>
+            <a:pPr lvl="1"/>
+            <a:r>
+              <a:rPr lang="en-US" dirty="0"/>
+              <a:t>Breakdown of appliances</a:t>
+            </a:r>
+          </a:p>
+          <a:p>
+            <a:pPr lvl="1"/>
+            <a:r>
+              <a:rPr lang="en-US" dirty="0"/>
+              <a:t>Family composition</a:t>
+            </a:r>
+          </a:p>
+          <a:p>
+            <a:pPr lvl="1"/>
             <a:endParaRPr lang="en-US" dirty="0"/>
           </a:p>
-        </p:txBody>
-      </p:sp>
-      <p:sp>
-        <p:nvSpPr>
-          <p:cNvPr id="3" name="Content Placeholder 2"/>
-          <p:cNvSpPr>
-            <a:spLocks noGrp="1"/>
-          </p:cNvSpPr>
-          <p:nvPr>
-            <p:ph idx="1"/>
-          </p:nvPr>
-        </p:nvSpPr>
-        <p:spPr/>
-        <p:txBody>
-          <a:bodyPr/>
-          <a:lstStyle/>
-          <a:p>
-            <a:r>
-              <a:rPr lang="en-US" dirty="0" smtClean="0"/>
-              <a:t>More granular level for power consumption simulation</a:t>
+          <a:p>
+            <a:r>
+              <a:rPr lang="en-US" dirty="0"/>
+              <a:t>Interactive application to change simulation parameters like zip code, appliances etc. to provide </a:t>
+            </a:r>
+            <a:r>
+              <a:rPr lang="en-US" dirty="0">
+                <a:solidFill>
+                  <a:schemeClr val="tx2"/>
+                </a:solidFill>
+              </a:rPr>
+              <a:t>recommendation</a:t>
+            </a:r>
+            <a:r>
+              <a:rPr lang="en-US" dirty="0"/>
+              <a:t> for number of panels needed, battery size, etc.</a:t>
             </a:r>
           </a:p>
           <a:p>
             <a:pPr lvl="1"/>
             <a:r>
-              <a:rPr lang="en-US" dirty="0" smtClean="0"/>
-              <a:t>Breakdown of appliances</a:t>
-            </a:r>
-          </a:p>
-          <a:p>
-            <a:pPr lvl="1"/>
-            <a:r>
-              <a:rPr lang="en-US" dirty="0" smtClean="0"/>
-              <a:t>Family composition</a:t>
-            </a:r>
-          </a:p>
-          <a:p>
-            <a:pPr lvl="1"/>
-            <a:endParaRPr lang="en-US" dirty="0" smtClean="0"/>
-          </a:p>
-          <a:p>
-            <a:r>
-              <a:rPr lang="en-US" dirty="0" smtClean="0"/>
-              <a:t>Interactive application to change simulation parameters</a:t>
-            </a:r>
-          </a:p>
-          <a:p>
-            <a:pPr lvl="1"/>
-            <a:r>
-              <a:rPr lang="en-US" dirty="0" smtClean="0"/>
+              <a:rPr lang="en-US" dirty="0"/>
               <a:t>Shiny</a:t>
             </a:r>
           </a:p>
@@ -4141,7 +4882,7 @@
 </p:sld>
 </file>
 
-<file path=ppt/slides/slide12.xml><?xml version="1.0" encoding="utf-8"?>
+<file path=ppt/slides/slide18.xml><?xml version="1.0" encoding="utf-8"?>
 <p:sld xmlns:a="http://schemas.openxmlformats.org/drawingml/2006/main" xmlns:r="http://schemas.openxmlformats.org/officeDocument/2006/relationships" xmlns:p="http://schemas.openxmlformats.org/presentationml/2006/main">
   <p:cSld>
     <p:spTree>
@@ -4174,10 +4915,9 @@
           <a:lstStyle/>
           <a:p>
             <a:r>
-              <a:rPr lang="en-US" dirty="0" smtClean="0"/>
+              <a:rPr lang="en-US" dirty="0"/>
               <a:t>References</a:t>
             </a:r>
-            <a:endParaRPr lang="en-US" dirty="0"/>
           </a:p>
         </p:txBody>
       </p:sp>
@@ -4199,52 +4939,40 @@
           <a:lstStyle/>
           <a:p>
             <a:r>
-              <a:rPr lang="en-US" sz="2400" dirty="0" smtClean="0"/>
+              <a:rPr lang="en-US" sz="2400" dirty="0"/>
               <a:t>National Renewable Energy Laboratory</a:t>
             </a:r>
           </a:p>
           <a:p>
             <a:pPr lvl="1"/>
             <a:r>
-              <a:rPr lang="en-US" sz="1200" dirty="0" smtClean="0"/>
-              <a:t>http://</a:t>
-            </a:r>
-            <a:r>
-              <a:rPr lang="en-US" sz="1200" dirty="0" smtClean="0"/>
-              <a:t>rredc.nrel.gov/solar/old_data/nsrdb/1961-1990/redbook/sum2/94728.txt</a:t>
-            </a:r>
-          </a:p>
-          <a:p>
-            <a:r>
-              <a:rPr lang="en-US" sz="2400" dirty="0" smtClean="0"/>
+              <a:rPr lang="en-US" sz="1200" dirty="0"/>
+              <a:t>http://rredc.nrel.gov/solar/old_data/nsrdb/1961-1990/redbook/sum2/94728.txt</a:t>
+            </a:r>
+          </a:p>
+          <a:p>
+            <a:r>
+              <a:rPr lang="en-US" sz="2400" dirty="0"/>
               <a:t>U.S. Bureau of Labor Statistics</a:t>
             </a:r>
           </a:p>
           <a:p>
             <a:pPr lvl="1"/>
             <a:r>
-              <a:rPr lang="en-US" sz="1200" dirty="0" smtClean="0"/>
-              <a:t>https</a:t>
-            </a:r>
-            <a:r>
-              <a:rPr lang="en-US" sz="1200" dirty="0" smtClean="0"/>
-              <a:t>://</a:t>
-            </a:r>
-            <a:r>
-              <a:rPr lang="en-US" sz="1200" dirty="0" smtClean="0"/>
-              <a:t>www.bls.gov/regions/new-york-new-jersey/news-release/averageenergyprices_newyorkarea.htm</a:t>
-            </a:r>
-          </a:p>
-          <a:p>
-            <a:r>
-              <a:rPr lang="en-US" sz="2400" dirty="0" smtClean="0"/>
+              <a:rPr lang="en-US" sz="1200" dirty="0"/>
+              <a:t>https://www.bls.gov/regions/new-york-new-jersey/news-release/averageenergyprices_newyorkarea.htm</a:t>
+            </a:r>
+          </a:p>
+          <a:p>
+            <a:r>
+              <a:rPr lang="en-US" sz="2400" dirty="0"/>
               <a:t>Energy Information Agency</a:t>
             </a:r>
           </a:p>
           <a:p>
             <a:pPr lvl="1"/>
             <a:r>
-              <a:rPr lang="en-US" sz="1200" dirty="0" smtClean="0"/>
+              <a:rPr lang="en-US" sz="1200" dirty="0"/>
               <a:t>http://www.eia.gov/electricity/sales_revenue_price/xls/table5_a.xlsx</a:t>
             </a:r>
           </a:p>
@@ -4285,63 +5013,78 @@
             <p:ph type="title"/>
           </p:nvPr>
         </p:nvSpPr>
+        <p:spPr>
+          <a:xfrm>
+            <a:off x="457200" y="274638"/>
+            <a:ext cx="8229600" cy="1096962"/>
+          </a:xfrm>
+        </p:spPr>
+        <p:txBody>
+          <a:bodyPr/>
+          <a:lstStyle/>
+          <a:p>
+            <a:r>
+              <a:rPr lang="en-US" dirty="0"/>
+              <a:t>Agenda</a:t>
+            </a:r>
+          </a:p>
+        </p:txBody>
+      </p:sp>
+      <p:sp>
+        <p:nvSpPr>
+          <p:cNvPr id="3" name="Content Placeholder 2"/>
+          <p:cNvSpPr>
+            <a:spLocks noGrp="1"/>
+          </p:cNvSpPr>
+          <p:nvPr>
+            <p:ph idx="1"/>
+          </p:nvPr>
+        </p:nvSpPr>
         <p:spPr/>
         <p:txBody>
           <a:bodyPr/>
           <a:lstStyle/>
           <a:p>
             <a:r>
-              <a:rPr lang="en-US" dirty="0" smtClean="0"/>
-              <a:t>Agenda</a:t>
-            </a:r>
-            <a:endParaRPr lang="en-US" dirty="0"/>
-          </a:p>
-        </p:txBody>
-      </p:sp>
-      <p:sp>
-        <p:nvSpPr>
-          <p:cNvPr id="3" name="Content Placeholder 2"/>
-          <p:cNvSpPr>
-            <a:spLocks noGrp="1"/>
-          </p:cNvSpPr>
-          <p:nvPr>
-            <p:ph idx="1"/>
-          </p:nvPr>
-        </p:nvSpPr>
-        <p:spPr/>
-        <p:txBody>
-          <a:bodyPr/>
-          <a:lstStyle/>
-          <a:p>
-            <a:r>
-              <a:rPr lang="en-US" dirty="0" smtClean="0"/>
+              <a:rPr lang="en-US" dirty="0"/>
               <a:t>Introduction</a:t>
             </a:r>
           </a:p>
           <a:p>
             <a:r>
-              <a:rPr lang="en-US" dirty="0" smtClean="0"/>
+              <a:rPr lang="en-US" dirty="0"/>
               <a:t>Cost</a:t>
             </a:r>
           </a:p>
           <a:p>
             <a:r>
-              <a:rPr lang="en-US" dirty="0" smtClean="0"/>
+              <a:rPr lang="en-US" dirty="0"/>
+              <a:t>Research Question</a:t>
+            </a:r>
+          </a:p>
+          <a:p>
+            <a:r>
+              <a:rPr lang="en-US" dirty="0"/>
+              <a:t>Data Preparation</a:t>
+            </a:r>
+          </a:p>
+          <a:p>
+            <a:r>
+              <a:rPr lang="en-US" dirty="0"/>
               <a:t>Simulation</a:t>
             </a:r>
           </a:p>
           <a:p>
             <a:r>
-              <a:rPr lang="en-US" dirty="0" smtClean="0"/>
+              <a:rPr lang="en-US" dirty="0"/>
               <a:t>Summary</a:t>
             </a:r>
           </a:p>
           <a:p>
             <a:r>
-              <a:rPr lang="en-US" dirty="0" smtClean="0"/>
+              <a:rPr lang="en-US" dirty="0"/>
               <a:t>Future Work</a:t>
             </a:r>
-            <a:endParaRPr lang="en-US" dirty="0"/>
           </a:p>
         </p:txBody>
       </p:sp>
@@ -4354,6 +5097,123 @@
 </file>
 
 <file path=ppt/slides/slide3.xml><?xml version="1.0" encoding="utf-8"?>
+<p:sld xmlns:a="http://schemas.openxmlformats.org/drawingml/2006/main" xmlns:r="http://schemas.openxmlformats.org/officeDocument/2006/relationships" xmlns:p="http://schemas.openxmlformats.org/presentationml/2006/main">
+  <p:cSld>
+    <p:spTree>
+      <p:nvGrpSpPr>
+        <p:cNvPr id="1" name=""/>
+        <p:cNvGrpSpPr/>
+        <p:nvPr/>
+      </p:nvGrpSpPr>
+      <p:grpSpPr>
+        <a:xfrm>
+          <a:off x="0" y="0"/>
+          <a:ext cx="0" cy="0"/>
+          <a:chOff x="0" y="0"/>
+          <a:chExt cx="0" cy="0"/>
+        </a:xfrm>
+      </p:grpSpPr>
+      <p:sp>
+        <p:nvSpPr>
+          <p:cNvPr id="2" name="Title 1"/>
+          <p:cNvSpPr>
+            <a:spLocks noGrp="1"/>
+          </p:cNvSpPr>
+          <p:nvPr>
+            <p:ph type="title"/>
+          </p:nvPr>
+        </p:nvSpPr>
+        <p:spPr/>
+        <p:txBody>
+          <a:bodyPr/>
+          <a:lstStyle/>
+          <a:p>
+            <a:r>
+              <a:rPr lang="en-US" dirty="0"/>
+              <a:t>Introduction</a:t>
+            </a:r>
+          </a:p>
+        </p:txBody>
+      </p:sp>
+      <p:sp>
+        <p:nvSpPr>
+          <p:cNvPr id="3" name="Content Placeholder 2"/>
+          <p:cNvSpPr>
+            <a:spLocks noGrp="1"/>
+          </p:cNvSpPr>
+          <p:nvPr>
+            <p:ph idx="1"/>
+          </p:nvPr>
+        </p:nvSpPr>
+        <p:spPr>
+          <a:xfrm>
+            <a:off x="457200" y="1295400"/>
+            <a:ext cx="8229600" cy="4830763"/>
+          </a:xfrm>
+        </p:spPr>
+        <p:txBody>
+          <a:bodyPr>
+            <a:normAutofit/>
+          </a:bodyPr>
+          <a:lstStyle/>
+          <a:p>
+            <a:pPr>
+              <a:buNone/>
+            </a:pPr>
+            <a:r>
+              <a:rPr lang="en-US" sz="2400" dirty="0"/>
+              <a:t> </a:t>
+            </a:r>
+          </a:p>
+          <a:p>
+            <a:endParaRPr lang="en-US" dirty="0"/>
+          </a:p>
+        </p:txBody>
+      </p:sp>
+      <p:pic>
+        <p:nvPicPr>
+          <p:cNvPr id="4" name="Picture 3"/>
+          <p:cNvPicPr>
+            <a:picLocks noChangeAspect="1"/>
+          </p:cNvPicPr>
+          <p:nvPr/>
+        </p:nvPicPr>
+        <p:blipFill>
+          <a:blip r:embed="rId3">
+            <a:extLst>
+              <a:ext uri="{28A0092B-C50C-407E-A947-70E740481C1C}">
+                <a14:useLocalDpi xmlns:a14="http://schemas.microsoft.com/office/drawing/2010/main" val="0"/>
+              </a:ext>
+            </a:extLst>
+          </a:blip>
+          <a:stretch>
+            <a:fillRect/>
+          </a:stretch>
+        </p:blipFill>
+        <p:spPr>
+          <a:xfrm>
+            <a:off x="1714500" y="1452562"/>
+            <a:ext cx="5715000" cy="3952875"/>
+          </a:xfrm>
+          <a:prstGeom prst="rect">
+            <a:avLst/>
+          </a:prstGeom>
+        </p:spPr>
+      </p:pic>
+    </p:spTree>
+    <p:extLst>
+      <p:ext uri="{BB962C8B-B14F-4D97-AF65-F5344CB8AC3E}">
+        <p14:creationId xmlns:p14="http://schemas.microsoft.com/office/powerpoint/2010/main" val="4216734631"/>
+      </p:ext>
+    </p:extLst>
+  </p:cSld>
+  <p:clrMapOvr>
+    <a:masterClrMapping/>
+  </p:clrMapOvr>
+</p:sld>
+</file>
+
+<file path=ppt/slides/slide4.xml><?xml version="1.0" encoding="utf-8"?>
 <p:sld xmlns:a="http://schemas.openxmlformats.org/drawingml/2006/main" xmlns:r="http://schemas.openxmlformats.org/officeDocument/2006/relationships" xmlns:p="http://schemas.openxmlformats.org/presentationml/2006/main">
   <p:cSld>
     <p:spTree>
@@ -4412,10 +5272,9 @@
           <a:lstStyle/>
           <a:p>
             <a:r>
-              <a:rPr lang="en-US" dirty="0" smtClean="0"/>
+              <a:rPr lang="en-US" dirty="0"/>
               <a:t>Introduction</a:t>
             </a:r>
-            <a:endParaRPr lang="en-US" dirty="0"/>
           </a:p>
         </p:txBody>
       </p:sp>
@@ -4445,8 +5304,8 @@
               <a:buNone/>
             </a:pPr>
             <a:r>
-              <a:rPr lang="en-US" sz="2400" dirty="0" smtClean="0"/>
-              <a:t>As awareness of climate change increases, there is a growing trend to reduce reliance on fossil fuel. Renewable energy comes in many forms but we will focus our attention on solar power in this project. We will simulate various aspects of power generation with Solar Photovoltaic system and consider system size, power usage, and cost of obtaining a solar PV system. </a:t>
+              <a:rPr lang="en-US" sz="2400" dirty="0"/>
+              <a:t>     As awareness of climate change increases, there is a growing trend to reduce reliance on fossil fuel. Renewable energy comes in many forms but we will focus our attention on solar power in this project. We will simulate various aspects of power generation with Solar Photovoltaic system and consider system size, power usage, and cost of obtaining a solar PV system. </a:t>
             </a:r>
           </a:p>
           <a:p>
@@ -4459,17 +5318,10 @@
   <p:clrMapOvr>
     <a:masterClrMapping/>
   </p:clrMapOvr>
-  <p:timing>
-    <p:tnLst>
-      <p:par>
-        <p:cTn id="1" dur="indefinite" restart="never" nodeType="tmRoot"/>
-      </p:par>
-    </p:tnLst>
-  </p:timing>
 </p:sld>
 </file>
 
-<file path=ppt/slides/slide4.xml><?xml version="1.0" encoding="utf-8"?>
+<file path=ppt/slides/slide5.xml><?xml version="1.0" encoding="utf-8"?>
 <p:sld xmlns:a="http://schemas.openxmlformats.org/drawingml/2006/main" xmlns:r="http://schemas.openxmlformats.org/officeDocument/2006/relationships" xmlns:p="http://schemas.openxmlformats.org/presentationml/2006/main">
   <p:cSld>
     <p:spTree>
@@ -4502,10 +5354,9 @@
           <a:lstStyle/>
           <a:p>
             <a:r>
-              <a:rPr lang="en-US" dirty="0" smtClean="0"/>
+              <a:rPr lang="en-US" dirty="0"/>
               <a:t>Rising costs</a:t>
             </a:r>
-            <a:endParaRPr lang="en-US" dirty="0"/>
           </a:p>
         </p:txBody>
       </p:sp>
@@ -4527,20 +5378,15 @@
           <a:lstStyle/>
           <a:p>
             <a:r>
-              <a:rPr lang="en-US" sz="2800" dirty="0" smtClean="0"/>
-              <a:t>Cost of electricity will continue to trend </a:t>
-            </a:r>
-            <a:r>
-              <a:rPr lang="en-US" sz="2800" dirty="0" smtClean="0"/>
-              <a:t>upwards</a:t>
-            </a:r>
-          </a:p>
-          <a:p>
-            <a:r>
-              <a:rPr lang="en-US" sz="2800" dirty="0" smtClean="0"/>
+              <a:rPr lang="en-US" sz="2800" dirty="0"/>
+              <a:t>Cost of electricity will continue to trend upwards</a:t>
+            </a:r>
+          </a:p>
+          <a:p>
+            <a:r>
+              <a:rPr lang="en-US" sz="2800" dirty="0"/>
               <a:t>Cost is cyclic but overall, trending upwards</a:t>
             </a:r>
-            <a:endParaRPr lang="en-US" sz="2800" dirty="0"/>
           </a:p>
         </p:txBody>
       </p:sp>
@@ -4578,7 +5424,7 @@
 </p:sld>
 </file>
 
-<file path=ppt/slides/slide5.xml><?xml version="1.0" encoding="utf-8"?>
+<file path=ppt/slides/slide6.xml><?xml version="1.0" encoding="utf-8"?>
 <p:sld xmlns:a="http://schemas.openxmlformats.org/drawingml/2006/main" xmlns:r="http://schemas.openxmlformats.org/officeDocument/2006/relationships" xmlns:p="http://schemas.openxmlformats.org/presentationml/2006/main">
   <p:cSld>
     <p:spTree>
@@ -4611,10 +5457,9 @@
           <a:lstStyle/>
           <a:p>
             <a:r>
-              <a:rPr lang="en-US" dirty="0" smtClean="0"/>
+              <a:rPr lang="en-US" dirty="0"/>
               <a:t>Declining PV costs</a:t>
             </a:r>
-            <a:endParaRPr lang="en-US" dirty="0"/>
           </a:p>
         </p:txBody>
       </p:sp>
@@ -4634,27 +5479,22 @@
           <a:lstStyle/>
           <a:p>
             <a:r>
-              <a:rPr lang="en-US" dirty="0" smtClean="0"/>
-              <a:t>Cost per watt </a:t>
-            </a:r>
-            <a:r>
-              <a:rPr lang="en-US" dirty="0" smtClean="0"/>
-              <a:t>declining at a rapid pace</a:t>
+              <a:rPr lang="en-US" dirty="0"/>
+              <a:t>Cost per watt declining at a rapid pace</a:t>
             </a:r>
           </a:p>
           <a:p>
             <a:pPr lvl="1"/>
             <a:r>
-              <a:rPr lang="en-US" dirty="0" smtClean="0"/>
+              <a:rPr lang="en-US" dirty="0"/>
               <a:t>Fueled by declining panel prices</a:t>
             </a:r>
           </a:p>
           <a:p>
             <a:r>
-              <a:rPr lang="en-US" dirty="0" smtClean="0"/>
+              <a:rPr lang="en-US" dirty="0"/>
               <a:t>Still high because of ‘non product’ costs</a:t>
             </a:r>
-            <a:endParaRPr lang="en-US" dirty="0"/>
           </a:p>
         </p:txBody>
       </p:sp>
@@ -4718,99 +5558,6 @@
 </p:sld>
 </file>
 
-<file path=ppt/slides/slide6.xml><?xml version="1.0" encoding="utf-8"?>
-<p:sld xmlns:a="http://schemas.openxmlformats.org/drawingml/2006/main" xmlns:r="http://schemas.openxmlformats.org/officeDocument/2006/relationships" xmlns:p="http://schemas.openxmlformats.org/presentationml/2006/main">
-  <p:cSld>
-    <p:spTree>
-      <p:nvGrpSpPr>
-        <p:cNvPr id="1" name=""/>
-        <p:cNvGrpSpPr/>
-        <p:nvPr/>
-      </p:nvGrpSpPr>
-      <p:grpSpPr>
-        <a:xfrm>
-          <a:off x="0" y="0"/>
-          <a:ext cx="0" cy="0"/>
-          <a:chOff x="0" y="0"/>
-          <a:chExt cx="0" cy="0"/>
-        </a:xfrm>
-      </p:grpSpPr>
-      <p:sp>
-        <p:nvSpPr>
-          <p:cNvPr id="2" name="Title 1"/>
-          <p:cNvSpPr>
-            <a:spLocks noGrp="1"/>
-          </p:cNvSpPr>
-          <p:nvPr>
-            <p:ph type="title"/>
-          </p:nvPr>
-        </p:nvSpPr>
-        <p:spPr/>
-        <p:txBody>
-          <a:bodyPr>
-            <a:normAutofit/>
-          </a:bodyPr>
-          <a:lstStyle/>
-          <a:p>
-            <a:r>
-              <a:rPr lang="en-US" sz="2800" b="1" dirty="0" smtClean="0"/>
-              <a:t>Should I invest in a solar PV system?</a:t>
-            </a:r>
-            <a:endParaRPr lang="en-US" sz="2800" b="1" dirty="0"/>
-          </a:p>
-        </p:txBody>
-      </p:sp>
-      <p:sp>
-        <p:nvSpPr>
-          <p:cNvPr id="3" name="Content Placeholder 2"/>
-          <p:cNvSpPr>
-            <a:spLocks noGrp="1"/>
-          </p:cNvSpPr>
-          <p:nvPr>
-            <p:ph idx="1"/>
-          </p:nvPr>
-        </p:nvSpPr>
-        <p:spPr/>
-        <p:txBody>
-          <a:bodyPr>
-            <a:normAutofit/>
-          </a:bodyPr>
-          <a:lstStyle/>
-          <a:p>
-            <a:r>
-              <a:rPr lang="en-US" sz="2800" dirty="0" smtClean="0"/>
-              <a:t>At what size will I completely offset my monthly/yearly bill?</a:t>
-            </a:r>
-          </a:p>
-          <a:p>
-            <a:r>
-              <a:rPr lang="en-US" sz="2800" dirty="0" smtClean="0"/>
-              <a:t>How much can I expect to save?</a:t>
-            </a:r>
-          </a:p>
-          <a:p>
-            <a:r>
-              <a:rPr lang="en-US" sz="2800" dirty="0" smtClean="0"/>
-              <a:t>How long is my payback period?</a:t>
-            </a:r>
-          </a:p>
-        </p:txBody>
-      </p:sp>
-    </p:spTree>
-  </p:cSld>
-  <p:clrMapOvr>
-    <a:masterClrMapping/>
-  </p:clrMapOvr>
-  <p:timing>
-    <p:tnLst>
-      <p:par>
-        <p:cTn id="1" dur="indefinite" restart="never" nodeType="tmRoot"/>
-      </p:par>
-    </p:tnLst>
-  </p:timing>
-</p:sld>
-</file>
-
 <file path=ppt/slides/slide7.xml><?xml version="1.0" encoding="utf-8"?>
 <p:sld xmlns:a="http://schemas.openxmlformats.org/drawingml/2006/main" xmlns:r="http://schemas.openxmlformats.org/officeDocument/2006/relationships" xmlns:p="http://schemas.openxmlformats.org/presentationml/2006/main">
   <p:cSld>
@@ -4840,98 +5587,86 @@
         </p:nvSpPr>
         <p:spPr/>
         <p:txBody>
-          <a:bodyPr/>
-          <a:lstStyle/>
-          <a:p>
-            <a:r>
-              <a:rPr lang="en-US" dirty="0" smtClean="0"/>
-              <a:t>Challenges</a:t>
-            </a:r>
-            <a:endParaRPr lang="en-US" dirty="0"/>
-          </a:p>
-        </p:txBody>
-      </p:sp>
-      <p:sp>
-        <p:nvSpPr>
-          <p:cNvPr id="3" name="Content Placeholder 2"/>
-          <p:cNvSpPr>
-            <a:spLocks noGrp="1"/>
-          </p:cNvSpPr>
-          <p:nvPr>
-            <p:ph idx="1"/>
-          </p:nvPr>
-        </p:nvSpPr>
-        <p:spPr>
-          <a:xfrm>
-            <a:off x="457200" y="1524000"/>
-            <a:ext cx="8229600" cy="4602163"/>
-          </a:xfrm>
-        </p:spPr>
-        <p:txBody>
           <a:bodyPr>
             <a:normAutofit/>
           </a:bodyPr>
           <a:lstStyle/>
           <a:p>
             <a:r>
-              <a:rPr lang="en-US" dirty="0" smtClean="0"/>
-              <a:t>Variations </a:t>
-            </a:r>
-            <a:r>
-              <a:rPr lang="en-US" dirty="0" smtClean="0"/>
-              <a:t>to the data based on location</a:t>
-            </a:r>
-          </a:p>
-          <a:p>
-            <a:pPr lvl="1"/>
-            <a:r>
-              <a:rPr lang="en-US" dirty="0" smtClean="0"/>
-              <a:t>Amount  of sunlight</a:t>
-            </a:r>
-          </a:p>
-          <a:p>
-            <a:pPr lvl="1"/>
-            <a:r>
-              <a:rPr lang="en-US" dirty="0" smtClean="0"/>
-              <a:t>Electricity usage pattern</a:t>
-            </a:r>
-          </a:p>
-          <a:p>
-            <a:pPr lvl="2"/>
-            <a:r>
-              <a:rPr lang="en-US" dirty="0" smtClean="0"/>
-              <a:t>Warmer climate – air conditioner</a:t>
-            </a:r>
-          </a:p>
-          <a:p>
-            <a:pPr lvl="2"/>
-            <a:r>
-              <a:rPr lang="en-US" dirty="0" smtClean="0"/>
-              <a:t>Cooler climate – space heating</a:t>
-            </a:r>
-          </a:p>
-          <a:p>
-            <a:pPr lvl="1"/>
-            <a:r>
-              <a:rPr lang="en-US" dirty="0" smtClean="0"/>
-              <a:t>Electricity Cost</a:t>
-            </a:r>
-          </a:p>
-          <a:p>
-            <a:r>
-              <a:rPr lang="en-US" sz="2800" dirty="0" smtClean="0"/>
-              <a:t>Simulate Based on Nassau County, </a:t>
-            </a:r>
-            <a:r>
-              <a:rPr lang="en-US" sz="2800" dirty="0" smtClean="0"/>
-              <a:t>NY</a:t>
-            </a:r>
-          </a:p>
-          <a:p>
-            <a:pPr>
+              <a:rPr lang="en-US" b="1" dirty="0"/>
+              <a:t>Research Question</a:t>
+            </a:r>
+          </a:p>
+        </p:txBody>
+      </p:sp>
+      <p:sp>
+        <p:nvSpPr>
+          <p:cNvPr id="3" name="Content Placeholder 2"/>
+          <p:cNvSpPr>
+            <a:spLocks noGrp="1"/>
+          </p:cNvSpPr>
+          <p:nvPr>
+            <p:ph idx="1"/>
+          </p:nvPr>
+        </p:nvSpPr>
+        <p:spPr/>
+        <p:txBody>
+          <a:bodyPr>
+            <a:normAutofit/>
+          </a:bodyPr>
+          <a:lstStyle/>
+          <a:p>
+            <a:pPr marL="0" indent="0">
+              <a:buNone/>
+            </a:pPr>
+            <a:r>
+              <a:rPr lang="en-US" sz="2400" b="1" dirty="0">
+                <a:solidFill>
+                  <a:schemeClr val="accent1"/>
+                </a:solidFill>
+              </a:rPr>
+              <a:t>Should I invest in a solar PV system?</a:t>
+            </a:r>
+          </a:p>
+          <a:p>
+            <a:pPr marL="0" indent="0">
               <a:buNone/>
             </a:pPr>
             <a:endParaRPr lang="en-US" sz="2800" dirty="0"/>
+          </a:p>
+          <a:p>
+            <a:r>
+              <a:rPr lang="en-US" sz="2800" dirty="0"/>
+              <a:t>At what size will I completely offset my monthly/yearly bill?</a:t>
+            </a:r>
+          </a:p>
+          <a:p>
+            <a:r>
+              <a:rPr lang="en-US" sz="2800" dirty="0"/>
+              <a:t>How much can I expect to save?</a:t>
+            </a:r>
+          </a:p>
+          <a:p>
+            <a:r>
+              <a:rPr lang="en-US" sz="2800" dirty="0"/>
+              <a:t>How long is my payback period?</a:t>
+            </a:r>
+          </a:p>
+          <a:p>
+            <a:r>
+              <a:rPr lang="en-US" sz="2800" dirty="0"/>
+              <a:t>Simply put, </a:t>
+            </a:r>
+            <a:r>
+              <a:rPr lang="en-US" sz="2800" dirty="0">
+                <a:solidFill>
+                  <a:schemeClr val="accent3">
+                    <a:lumMod val="75000"/>
+                  </a:schemeClr>
+                </a:solidFill>
+              </a:rPr>
+              <a:t>if going with solar makes economic sense or not?</a:t>
+            </a:r>
           </a:p>
         </p:txBody>
       </p:sp>
@@ -4940,13 +5675,6 @@
   <p:clrMapOvr>
     <a:masterClrMapping/>
   </p:clrMapOvr>
-  <p:timing>
-    <p:tnLst>
-      <p:par>
-        <p:cTn id="1" dur="indefinite" restart="never" nodeType="tmRoot"/>
-      </p:par>
-    </p:tnLst>
-  </p:timing>
 </p:sld>
 </file>
 
@@ -4977,16 +5705,22 @@
             <p:ph type="title"/>
           </p:nvPr>
         </p:nvSpPr>
-        <p:spPr/>
-        <p:txBody>
-          <a:bodyPr/>
-          <a:lstStyle/>
-          <a:p>
-            <a:r>
-              <a:rPr lang="en-US" dirty="0" smtClean="0"/>
-              <a:t>Assumptions</a:t>
-            </a:r>
-            <a:endParaRPr lang="en-US" dirty="0"/>
+        <p:spPr>
+          <a:xfrm>
+            <a:off x="457200" y="274638"/>
+            <a:ext cx="8229600" cy="1020762"/>
+          </a:xfrm>
+        </p:spPr>
+        <p:txBody>
+          <a:bodyPr>
+            <a:normAutofit/>
+          </a:bodyPr>
+          <a:lstStyle/>
+          <a:p>
+            <a:r>
+              <a:rPr lang="en-US" b="1" dirty="0"/>
+              <a:t>Data Preparation</a:t>
+            </a:r>
           </a:p>
         </p:txBody>
       </p:sp>
@@ -5000,47 +5734,109 @@
             <p:ph idx="1"/>
           </p:nvPr>
         </p:nvSpPr>
-        <p:spPr/>
-        <p:txBody>
-          <a:bodyPr/>
-          <a:lstStyle/>
-          <a:p>
-            <a:r>
-              <a:rPr lang="en-US" dirty="0" smtClean="0"/>
-              <a:t>NY data where possible</a:t>
-            </a:r>
-            <a:endParaRPr lang="en-US" dirty="0" smtClean="0"/>
-          </a:p>
-          <a:p>
-            <a:r>
-              <a:rPr lang="en-US" dirty="0" smtClean="0"/>
-              <a:t>Peak sunlight only</a:t>
-            </a:r>
-          </a:p>
-          <a:p>
-            <a:r>
-              <a:rPr lang="en-US" dirty="0" smtClean="0"/>
-              <a:t>No net metering</a:t>
-            </a:r>
-          </a:p>
-          <a:p>
-            <a:r>
-              <a:rPr lang="en-US" dirty="0" smtClean="0"/>
-              <a:t>No battery for storage</a:t>
-            </a:r>
-          </a:p>
-          <a:p>
-            <a:r>
-              <a:rPr lang="en-US" dirty="0" smtClean="0"/>
-              <a:t>Electricity usage as a daily average for a household</a:t>
-            </a:r>
-          </a:p>
-          <a:p>
-            <a:endParaRPr lang="en-US" dirty="0"/>
+        <p:spPr>
+          <a:xfrm>
+            <a:off x="457200" y="1600200"/>
+            <a:ext cx="8534400" cy="4525963"/>
+          </a:xfrm>
+        </p:spPr>
+        <p:txBody>
+          <a:bodyPr>
+            <a:normAutofit/>
+          </a:bodyPr>
+          <a:lstStyle/>
+          <a:p>
+            <a:r>
+              <a:rPr lang="en-US" sz="2800" dirty="0">
+                <a:solidFill>
+                  <a:schemeClr val="accent1"/>
+                </a:solidFill>
+              </a:rPr>
+              <a:t>Energy Preparation:</a:t>
+            </a:r>
+          </a:p>
+          <a:p>
+            <a:pPr lvl="1"/>
+            <a:r>
+              <a:rPr lang="en-US" sz="2400" dirty="0"/>
+              <a:t>Daily Sun light: used monthly average sunlight data for NYC.</a:t>
+            </a:r>
+          </a:p>
+          <a:p>
+            <a:pPr lvl="1"/>
+            <a:r>
+              <a:rPr lang="en-US" sz="2400" dirty="0"/>
+              <a:t>Number of Panels</a:t>
+            </a:r>
+          </a:p>
+          <a:p>
+            <a:pPr lvl="1"/>
+            <a:r>
+              <a:rPr lang="en-US" sz="2400" dirty="0"/>
+              <a:t>kWh:  kilowatt-hours, a solar panel system produce.</a:t>
+            </a:r>
+          </a:p>
+          <a:p>
+            <a:pPr lvl="1"/>
+            <a:r>
+              <a:rPr lang="en-US" sz="2400" dirty="0"/>
+              <a:t>Derate Factor: Ratio of AC to DC</a:t>
+            </a:r>
+          </a:p>
+          <a:p>
+            <a:pPr marL="0" indent="0">
+              <a:buNone/>
+            </a:pPr>
+            <a:r>
+              <a:rPr lang="en-US" sz="1600" dirty="0">
+                <a:solidFill>
+                  <a:schemeClr val="accent1"/>
+                </a:solidFill>
+              </a:rPr>
+              <a:t>              (http://rredc.nrel.gov/solar/old_data/nsrdb/1961-1990/redbook/sum2/94728.txt)</a:t>
+            </a:r>
+          </a:p>
+          <a:p>
+            <a:r>
+              <a:rPr lang="en-US" sz="2800" dirty="0">
+                <a:solidFill>
+                  <a:schemeClr val="accent1"/>
+                </a:solidFill>
+              </a:rPr>
+              <a:t>Energy Consumption:</a:t>
+            </a:r>
+          </a:p>
+          <a:p>
+            <a:pPr lvl="1"/>
+            <a:r>
+              <a:rPr lang="en-US" sz="2400" dirty="0"/>
+              <a:t>Randomly picked the usage from the normally distributed overall monthly usage data of an average U.S. family</a:t>
+            </a:r>
+            <a:r>
+              <a:rPr lang="en-US" sz="2400" dirty="0">
+                <a:solidFill>
+                  <a:schemeClr val="accent1"/>
+                </a:solidFill>
+              </a:rPr>
+              <a:t> </a:t>
+            </a:r>
+            <a:r>
+              <a:rPr lang="en-US" sz="1600" dirty="0">
+                <a:solidFill>
+                  <a:schemeClr val="accent1"/>
+                </a:solidFill>
+              </a:rPr>
+              <a:t>(https://www.statista.com/statistics/183648/average-size-of-households-in-the-us/)</a:t>
+            </a:r>
           </a:p>
         </p:txBody>
       </p:sp>
     </p:spTree>
+    <p:extLst>
+      <p:ext uri="{BB962C8B-B14F-4D97-AF65-F5344CB8AC3E}">
+        <p14:creationId xmlns:p14="http://schemas.microsoft.com/office/powerpoint/2010/main" val="850924063"/>
+      </p:ext>
+    </p:extLst>
   </p:cSld>
   <p:clrMapOvr>
     <a:masterClrMapping/>
@@ -5081,10 +5877,9 @@
           <a:lstStyle/>
           <a:p>
             <a:r>
-              <a:rPr lang="en-US" dirty="0" smtClean="0"/>
-              <a:t>Approach</a:t>
-            </a:r>
-            <a:endParaRPr lang="en-US" dirty="0"/>
+              <a:rPr lang="en-US" dirty="0"/>
+              <a:t>Challenges</a:t>
+            </a:r>
           </a:p>
         </p:txBody>
       </p:sp>
@@ -5098,105 +5893,71 @@
             <p:ph idx="1"/>
           </p:nvPr>
         </p:nvSpPr>
-        <p:spPr/>
-        <p:txBody>
-          <a:bodyPr/>
-          <a:lstStyle/>
-          <a:p>
-            <a:r>
-              <a:rPr lang="en-US" dirty="0" smtClean="0"/>
-              <a:t>Two basic parts</a:t>
+        <p:spPr>
+          <a:xfrm>
+            <a:off x="457200" y="1524000"/>
+            <a:ext cx="8229600" cy="4602163"/>
+          </a:xfrm>
+        </p:spPr>
+        <p:txBody>
+          <a:bodyPr>
+            <a:normAutofit/>
+          </a:bodyPr>
+          <a:lstStyle/>
+          <a:p>
+            <a:r>
+              <a:rPr lang="en-US" dirty="0"/>
+              <a:t>Variations to the data based on location</a:t>
             </a:r>
           </a:p>
           <a:p>
             <a:pPr lvl="1"/>
             <a:r>
-              <a:rPr lang="en-US" dirty="0" smtClean="0"/>
-              <a:t>Solar power </a:t>
-            </a:r>
-            <a:r>
-              <a:rPr lang="en-US" dirty="0" smtClean="0"/>
-              <a:t>Generation</a:t>
+              <a:rPr lang="en-US" dirty="0"/>
+              <a:t>Amount  of sunlight</a:t>
+            </a:r>
+          </a:p>
+          <a:p>
+            <a:pPr lvl="1"/>
+            <a:r>
+              <a:rPr lang="en-US" dirty="0"/>
+              <a:t>Electricity usage pattern</a:t>
             </a:r>
           </a:p>
           <a:p>
             <a:pPr lvl="2"/>
             <a:r>
-              <a:rPr lang="en-US" dirty="0" smtClean="0"/>
-              <a:t>New York sunlight amounts</a:t>
-            </a:r>
-            <a:endParaRPr lang="en-US" dirty="0" smtClean="0"/>
+              <a:rPr lang="en-US" dirty="0"/>
+              <a:t>Warmer climate – air conditioner</a:t>
+            </a:r>
           </a:p>
           <a:p>
             <a:pPr lvl="2"/>
-            <a:endParaRPr lang="en-US" dirty="0" smtClean="0"/>
+            <a:r>
+              <a:rPr lang="en-US" dirty="0"/>
+              <a:t>Cooler climate – space heating</a:t>
+            </a:r>
           </a:p>
           <a:p>
             <a:pPr lvl="1"/>
             <a:r>
-              <a:rPr lang="en-US" dirty="0" smtClean="0"/>
-              <a:t>Electricity </a:t>
-            </a:r>
-            <a:r>
-              <a:rPr lang="en-US" dirty="0" smtClean="0"/>
-              <a:t>Consumption</a:t>
-            </a:r>
-          </a:p>
-          <a:p>
-            <a:pPr lvl="2"/>
-            <a:r>
-              <a:rPr lang="en-US" dirty="0" smtClean="0"/>
-              <a:t>Average NY household usage</a:t>
-            </a:r>
-          </a:p>
-          <a:p>
-            <a:pPr lvl="2"/>
-            <a:r>
-              <a:rPr lang="en-US" dirty="0" smtClean="0"/>
-              <a:t>New York electricity prices</a:t>
-            </a:r>
-            <a:endParaRPr lang="en-US" dirty="0"/>
-          </a:p>
-        </p:txBody>
-      </p:sp>
-      <p:pic>
-        <p:nvPicPr>
-          <p:cNvPr id="4098" name="Picture 2" descr="F:\Dropbox\MSDA\2016F\DATA621\Github\CT4\DATA621-HW\DATA604_Final\images\Flowchart.png"/>
-          <p:cNvPicPr>
-            <a:picLocks noChangeAspect="1" noChangeArrowheads="1"/>
-          </p:cNvPicPr>
-          <p:nvPr/>
-        </p:nvPicPr>
-        <p:blipFill>
-          <a:blip r:embed="rId2" cstate="print"/>
-          <a:srcRect/>
-          <a:stretch>
-            <a:fillRect/>
-          </a:stretch>
-        </p:blipFill>
-        <p:spPr bwMode="auto">
-          <a:xfrm>
-            <a:off x="6553200" y="152400"/>
-            <a:ext cx="2419350" cy="5995202"/>
-          </a:xfrm>
-          <a:prstGeom prst="rect">
-            <a:avLst/>
-          </a:prstGeom>
-          <a:noFill/>
-        </p:spPr>
-      </p:pic>
+              <a:rPr lang="en-US" dirty="0"/>
+              <a:t>Electricity Cost</a:t>
+            </a:r>
+          </a:p>
+          <a:p>
+            <a:r>
+              <a:rPr lang="en-US" sz="2800" dirty="0"/>
+              <a:t>Simulating the solar panel circuit in Simio</a:t>
+            </a:r>
+          </a:p>
+        </p:txBody>
+      </p:sp>
     </p:spTree>
   </p:cSld>
   <p:clrMapOvr>
     <a:masterClrMapping/>
   </p:clrMapOvr>
-  <p:timing>
-    <p:tnLst>
-      <p:par>
-        <p:cTn id="1" dur="indefinite" restart="never" nodeType="tmRoot"/>
-      </p:par>
-    </p:tnLst>
-  </p:timing>
 </p:sld>
 </file>
 
